--- a/6. Normative Argumentation.pptx
+++ b/6. Normative Argumentation.pptx
@@ -5,7 +5,7 @@
     <p:sldMasterId id="2147483660" r:id="rId1"/>
   </p:sldMasterIdLst>
   <p:notesMasterIdLst>
-    <p:notesMasterId r:id="rId32"/>
+    <p:notesMasterId r:id="rId34"/>
   </p:notesMasterIdLst>
   <p:sldIdLst>
     <p:sldId id="316" r:id="rId2"/>
@@ -29,15 +29,17 @@
     <p:sldId id="308" r:id="rId20"/>
     <p:sldId id="309" r:id="rId21"/>
     <p:sldId id="310" r:id="rId22"/>
-    <p:sldId id="260" r:id="rId23"/>
-    <p:sldId id="311" r:id="rId24"/>
-    <p:sldId id="312" r:id="rId25"/>
-    <p:sldId id="313" r:id="rId26"/>
-    <p:sldId id="314" r:id="rId27"/>
-    <p:sldId id="315" r:id="rId28"/>
-    <p:sldId id="262" r:id="rId29"/>
-    <p:sldId id="497" r:id="rId30"/>
-    <p:sldId id="490" r:id="rId31"/>
+    <p:sldId id="500" r:id="rId23"/>
+    <p:sldId id="260" r:id="rId24"/>
+    <p:sldId id="311" r:id="rId25"/>
+    <p:sldId id="312" r:id="rId26"/>
+    <p:sldId id="313" r:id="rId27"/>
+    <p:sldId id="314" r:id="rId28"/>
+    <p:sldId id="315" r:id="rId29"/>
+    <p:sldId id="262" r:id="rId30"/>
+    <p:sldId id="497" r:id="rId31"/>
+    <p:sldId id="501" r:id="rId32"/>
+    <p:sldId id="490" r:id="rId33"/>
   </p:sldIdLst>
   <p:sldSz cx="12192000" cy="6858000"/>
   <p:notesSz cx="6858000" cy="9144000"/>
@@ -226,7 +228,7 @@
           <a:p>
             <a:fld id="{C20D082D-BBCD-481C-A7DE-212F37A75249}" type="datetimeFigureOut">
               <a:rPr lang="en-US" smtClean="0"/>
-              <a:t>5/15/2023</a:t>
+              <a:t>5/17/2023</a:t>
             </a:fld>
             <a:endParaRPr lang="en-US"/>
           </a:p>
@@ -2513,7 +2515,7 @@
                 <a:latin typeface="Arial" pitchFamily="-106" charset="0"/>
               </a:rPr>
               <a:pPr/>
-              <a:t>22</a:t>
+              <a:t>23</a:t>
             </a:fld>
             <a:endParaRPr lang="de-DE">
               <a:latin typeface="Arial" pitchFamily="-106" charset="0"/>
@@ -2716,7 +2718,7 @@
                 <a:latin typeface="Arial" pitchFamily="-106" charset="0"/>
               </a:rPr>
               <a:pPr/>
-              <a:t>23</a:t>
+              <a:t>24</a:t>
             </a:fld>
             <a:endParaRPr lang="de-DE">
               <a:latin typeface="Arial" pitchFamily="-106" charset="0"/>
@@ -2911,7 +2913,7 @@
                 <a:latin typeface="Arial" pitchFamily="-106" charset="0"/>
               </a:rPr>
               <a:pPr/>
-              <a:t>24</a:t>
+              <a:t>25</a:t>
             </a:fld>
             <a:endParaRPr lang="de-DE">
               <a:latin typeface="Arial" pitchFamily="-106" charset="0"/>
@@ -3381,7 +3383,7 @@
                 <a:latin typeface="Arial" pitchFamily="-106" charset="0"/>
               </a:rPr>
               <a:pPr/>
-              <a:t>25</a:t>
+              <a:t>26</a:t>
             </a:fld>
             <a:endParaRPr lang="de-DE">
               <a:latin typeface="Arial" pitchFamily="-106" charset="0"/>
@@ -3584,7 +3586,7 @@
                 <a:latin typeface="Arial" pitchFamily="-106" charset="0"/>
               </a:rPr>
               <a:pPr/>
-              <a:t>26</a:t>
+              <a:t>27</a:t>
             </a:fld>
             <a:endParaRPr lang="de-DE">
               <a:latin typeface="Arial" pitchFamily="-106" charset="0"/>
@@ -3787,7 +3789,7 @@
                 <a:latin typeface="Arial" pitchFamily="-106" charset="0"/>
               </a:rPr>
               <a:pPr/>
-              <a:t>27</a:t>
+              <a:t>28</a:t>
             </a:fld>
             <a:endParaRPr lang="de-DE">
               <a:latin typeface="Arial" pitchFamily="-106" charset="0"/>
@@ -3990,7 +3992,7 @@
                 <a:latin typeface="Arial" pitchFamily="-106" charset="0"/>
               </a:rPr>
               <a:pPr/>
-              <a:t>28</a:t>
+              <a:t>29</a:t>
             </a:fld>
             <a:endParaRPr lang="de-DE">
               <a:latin typeface="Arial" pitchFamily="-106" charset="0"/>
@@ -7465,7 +7467,7 @@
           <a:p>
             <a:fld id="{3E31344D-F2C8-4FF6-8877-1B13E96E243A}" type="datetimeFigureOut">
               <a:rPr lang="en-US" smtClean="0"/>
-              <a:t>5/15/2023</a:t>
+              <a:t>5/17/2023</a:t>
             </a:fld>
             <a:endParaRPr lang="en-US"/>
           </a:p>
@@ -7754,7 +7756,7 @@
           <a:p>
             <a:fld id="{3E31344D-F2C8-4FF6-8877-1B13E96E243A}" type="datetimeFigureOut">
               <a:rPr lang="en-US" smtClean="0"/>
-              <a:t>5/15/2023</a:t>
+              <a:t>5/17/2023</a:t>
             </a:fld>
             <a:endParaRPr lang="en-US"/>
           </a:p>
@@ -8043,7 +8045,7 @@
           <a:p>
             <a:fld id="{3E31344D-F2C8-4FF6-8877-1B13E96E243A}" type="datetimeFigureOut">
               <a:rPr lang="en-US" smtClean="0"/>
-              <a:t>5/15/2023</a:t>
+              <a:t>5/17/2023</a:t>
             </a:fld>
             <a:endParaRPr lang="en-US"/>
           </a:p>
@@ -8332,7 +8334,7 @@
           <a:p>
             <a:fld id="{3E31344D-F2C8-4FF6-8877-1B13E96E243A}" type="datetimeFigureOut">
               <a:rPr lang="en-US" smtClean="0"/>
-              <a:t>5/15/2023</a:t>
+              <a:t>5/17/2023</a:t>
             </a:fld>
             <a:endParaRPr lang="en-US"/>
           </a:p>
@@ -8569,7 +8571,7 @@
           <a:p>
             <a:fld id="{3E31344D-F2C8-4FF6-8877-1B13E96E243A}" type="datetimeFigureOut">
               <a:rPr lang="en-US" smtClean="0"/>
-              <a:t>5/15/2023</a:t>
+              <a:t>5/17/2023</a:t>
             </a:fld>
             <a:endParaRPr lang="en-US"/>
           </a:p>
@@ -9026,7 +9028,7 @@
           <a:p>
             <a:fld id="{3E31344D-F2C8-4FF6-8877-1B13E96E243A}" type="datetimeFigureOut">
               <a:rPr lang="en-US" smtClean="0"/>
-              <a:t>5/15/2023</a:t>
+              <a:t>5/17/2023</a:t>
             </a:fld>
             <a:endParaRPr lang="en-US"/>
           </a:p>
@@ -9217,7 +9219,7 @@
           <a:p>
             <a:fld id="{3E31344D-F2C8-4FF6-8877-1B13E96E243A}" type="datetimeFigureOut">
               <a:rPr lang="en-US" smtClean="0"/>
-              <a:t>5/15/2023</a:t>
+              <a:t>5/17/2023</a:t>
             </a:fld>
             <a:endParaRPr lang="en-US"/>
           </a:p>
@@ -9482,7 +9484,7 @@
           <a:p>
             <a:fld id="{3E31344D-F2C8-4FF6-8877-1B13E96E243A}" type="datetimeFigureOut">
               <a:rPr lang="en-US" smtClean="0"/>
-              <a:t>5/15/2023</a:t>
+              <a:t>5/17/2023</a:t>
             </a:fld>
             <a:endParaRPr lang="en-US"/>
           </a:p>
@@ -11855,7 +11857,7 @@
           <a:p>
             <a:fld id="{3E31344D-F2C8-4FF6-8877-1B13E96E243A}" type="datetimeFigureOut">
               <a:rPr lang="en-US" smtClean="0"/>
-              <a:t>5/15/2023</a:t>
+              <a:t>5/17/2023</a:t>
             </a:fld>
             <a:endParaRPr lang="en-US"/>
           </a:p>
@@ -12105,7 +12107,7 @@
           <a:p>
             <a:fld id="{3E31344D-F2C8-4FF6-8877-1B13E96E243A}" type="datetimeFigureOut">
               <a:rPr lang="en-US" smtClean="0"/>
-              <a:t>5/15/2023</a:t>
+              <a:t>5/17/2023</a:t>
             </a:fld>
             <a:endParaRPr lang="en-US"/>
           </a:p>
@@ -12491,7 +12493,7 @@
           <a:p>
             <a:fld id="{3E31344D-F2C8-4FF6-8877-1B13E96E243A}" type="datetimeFigureOut">
               <a:rPr lang="en-US" smtClean="0"/>
-              <a:t>5/15/2023</a:t>
+              <a:t>5/17/2023</a:t>
             </a:fld>
             <a:endParaRPr lang="en-US"/>
           </a:p>
@@ -12751,7 +12753,7 @@
           <a:p>
             <a:fld id="{3E31344D-F2C8-4FF6-8877-1B13E96E243A}" type="datetimeFigureOut">
               <a:rPr lang="en-US" smtClean="0"/>
-              <a:t>5/15/2023</a:t>
+              <a:t>5/17/2023</a:t>
             </a:fld>
             <a:endParaRPr lang="en-US"/>
           </a:p>
@@ -19573,250 +19575,59 @@
       </p:grpSpPr>
       <p:sp>
         <p:nvSpPr>
-          <p:cNvPr id="32772" name="Rectangle 2"/>
-          <p:cNvSpPr>
-            <a:spLocks noGrp="1" noChangeArrowheads="1"/>
-          </p:cNvSpPr>
-          <p:nvPr>
-            <p:ph type="title"/>
+          <p:cNvPr id="5" name="Title 4">
+            <a:extLst>
+              <a:ext uri="{FF2B5EF4-FFF2-40B4-BE49-F238E27FC236}">
+                <a16:creationId xmlns:a16="http://schemas.microsoft.com/office/drawing/2014/main" id="{F0520101-998C-5FE4-0F3C-2E5832790604}"/>
+              </a:ext>
+            </a:extLst>
+          </p:cNvPr>
+          <p:cNvSpPr>
+            <a:spLocks noGrp="1"/>
+          </p:cNvSpPr>
+          <p:nvPr>
+            <p:ph type="ctrTitle"/>
           </p:nvPr>
         </p:nvSpPr>
         <p:spPr>
           <a:xfrm>
-            <a:off x="478369" y="144001"/>
-            <a:ext cx="9169401" cy="576293"/>
+            <a:off x="478368" y="4656578"/>
+            <a:ext cx="11228913" cy="1001364"/>
           </a:xfrm>
+          <a:noFill/>
         </p:spPr>
         <p:txBody>
           <a:bodyPr/>
           <a:lstStyle/>
           <a:p>
-            <a:pPr eaLnBrk="1" hangingPunct="1"/>
-            <a:r>
-              <a:rPr lang="en-US" sz="2800" b="1" dirty="0">
-                <a:ea typeface="ＭＳ Ｐゴシック" pitchFamily="-106" charset="-128"/>
-                <a:cs typeface="ＭＳ Ｐゴシック" pitchFamily="-106" charset="-128"/>
-              </a:rPr>
-              <a:t>Ethical Questions in Design &amp; Risk</a:t>
-            </a:r>
-            <a:endParaRPr lang="de-DE" sz="2800" b="1" dirty="0">
-              <a:ea typeface="ＭＳ Ｐゴシック" pitchFamily="-106" charset="-128"/>
-              <a:cs typeface="ＭＳ Ｐゴシック" pitchFamily="-106" charset="-128"/>
-            </a:endParaRPr>
-          </a:p>
-        </p:txBody>
-      </p:sp>
-      <p:sp>
-        <p:nvSpPr>
-          <p:cNvPr id="32773" name="Rectangle 3"/>
-          <p:cNvSpPr>
-            <a:spLocks noGrp="1" noChangeArrowheads="1"/>
-          </p:cNvSpPr>
-          <p:nvPr>
-            <p:ph idx="1"/>
-          </p:nvPr>
-        </p:nvSpPr>
-        <p:spPr/>
-        <p:txBody>
-          <a:bodyPr/>
-          <a:lstStyle/>
-          <a:p>
-            <a:pPr marL="0" indent="0">
-              <a:buClr>
-                <a:schemeClr val="accent1"/>
-              </a:buClr>
-              <a:buSzPct val="80000"/>
-            </a:pPr>
-            <a:r>
-              <a:rPr lang="en-US" sz="2000" dirty="0">
-                <a:ea typeface="ＭＳ Ｐゴシック" pitchFamily="-106" charset="-128"/>
-                <a:cs typeface="ＭＳ Ｐゴシック" pitchFamily="-106" charset="-128"/>
-              </a:rPr>
-              <a:t>A moral problem during design relates to a value conflict with possible moral implications:</a:t>
-            </a:r>
-          </a:p>
-          <a:p>
-            <a:pPr eaLnBrk="1" hangingPunct="1">
-              <a:buClr>
-                <a:schemeClr val="accent1"/>
-              </a:buClr>
-              <a:buSzPct val="80000"/>
-              <a:buFont typeface=".AppleSDGothicNeoI-Regular" charset="-127"/>
-              <a:buChar char="◼︎"/>
-            </a:pPr>
-            <a:r>
-              <a:rPr lang="en-US" sz="2000" b="1" dirty="0">
-                <a:solidFill>
-                  <a:schemeClr val="accent1"/>
-                </a:solidFill>
-                <a:ea typeface="ＭＳ Ｐゴシック" pitchFamily="-106" charset="-128"/>
-                <a:cs typeface="ＭＳ Ｐゴシック" pitchFamily="-106" charset="-128"/>
-              </a:rPr>
-              <a:t>Value conflict</a:t>
-            </a:r>
-            <a:r>
-              <a:rPr lang="en-US" sz="2000" dirty="0">
-                <a:ea typeface="ＭＳ Ｐゴシック" pitchFamily="-106" charset="-128"/>
-                <a:cs typeface="ＭＳ Ｐゴシック" pitchFamily="-106" charset="-128"/>
-              </a:rPr>
-              <a:t>: A value conflict arises if </a:t>
-            </a:r>
-            <a:br>
-              <a:rPr lang="en-US" sz="2000" dirty="0">
-                <a:ea typeface="ＭＳ Ｐゴシック" pitchFamily="-106" charset="-128"/>
-                <a:cs typeface="ＭＳ Ｐゴシック" pitchFamily="-106" charset="-128"/>
-              </a:rPr>
-            </a:br>
-            <a:r>
-              <a:rPr lang="en-US" sz="2000" dirty="0">
-                <a:ea typeface="ＭＳ Ｐゴシック" pitchFamily="-106" charset="-128"/>
-                <a:cs typeface="ＭＳ Ｐゴシック" pitchFamily="-106" charset="-128"/>
-              </a:rPr>
-              <a:t>(1) a choice has to be be made between at least two options for which two values are relevant as choice criteria,</a:t>
-            </a:r>
-            <a:br>
-              <a:rPr lang="en-US" sz="2000" dirty="0">
-                <a:ea typeface="ＭＳ Ｐゴシック" pitchFamily="-106" charset="-128"/>
-                <a:cs typeface="ＭＳ Ｐゴシック" pitchFamily="-106" charset="-128"/>
-              </a:rPr>
-            </a:br>
-            <a:r>
-              <a:rPr lang="en-US" sz="2000" dirty="0">
-                <a:ea typeface="ＭＳ Ｐゴシック" pitchFamily="-106" charset="-128"/>
-                <a:cs typeface="ＭＳ Ｐゴシック" pitchFamily="-106" charset="-128"/>
-              </a:rPr>
-              <a:t>(2) at least two different values select at least two different options best, and</a:t>
-            </a:r>
-            <a:br>
-              <a:rPr lang="en-US" sz="2000" dirty="0">
-                <a:ea typeface="ＭＳ Ｐゴシック" pitchFamily="-106" charset="-128"/>
-                <a:cs typeface="ＭＳ Ｐゴシック" pitchFamily="-106" charset="-128"/>
-              </a:rPr>
-            </a:br>
-            <a:r>
-              <a:rPr lang="en-US" sz="2000" dirty="0">
-                <a:ea typeface="ＭＳ Ｐゴシック" pitchFamily="-106" charset="-128"/>
-                <a:cs typeface="ＭＳ Ｐゴシック" pitchFamily="-106" charset="-128"/>
-              </a:rPr>
-              <a:t>(3) the values do not trump each other.</a:t>
-            </a:r>
-          </a:p>
-          <a:p>
-            <a:pPr eaLnBrk="1" hangingPunct="1">
-              <a:buClr>
-                <a:schemeClr val="accent1"/>
-              </a:buClr>
-              <a:buSzPct val="80000"/>
-              <a:buFont typeface=".AppleSDGothicNeoI-Regular" charset="-127"/>
-              <a:buChar char="◼︎"/>
-            </a:pPr>
-            <a:r>
-              <a:rPr lang="en-US" sz="2000" b="1" dirty="0">
-                <a:solidFill>
-                  <a:schemeClr val="accent1"/>
-                </a:solidFill>
-                <a:ea typeface="ＭＳ Ｐゴシック" pitchFamily="-106" charset="-128"/>
-                <a:cs typeface="ＭＳ Ｐゴシック" pitchFamily="-106" charset="-128"/>
-              </a:rPr>
-              <a:t>Trumping (of values)</a:t>
-            </a:r>
-            <a:r>
-              <a:rPr lang="en-US" sz="2000" dirty="0">
-                <a:ea typeface="ＭＳ Ｐゴシック" pitchFamily="-106" charset="-128"/>
-                <a:cs typeface="ＭＳ Ｐゴシック" pitchFamily="-106" charset="-128"/>
-              </a:rPr>
-              <a:t>: If one value trumps another any(small) amount of the first value is worth more than any (large) amount of the second value.</a:t>
-            </a:r>
-          </a:p>
-          <a:p>
-            <a:pPr marL="0" indent="0"/>
-            <a:endParaRPr lang="en-US" sz="2000" dirty="0">
-              <a:ea typeface="ＭＳ Ｐゴシック" pitchFamily="-106" charset="-128"/>
-              <a:cs typeface="ＭＳ Ｐゴシック" pitchFamily="-106" charset="-128"/>
-            </a:endParaRPr>
-          </a:p>
-          <a:p>
-            <a:pPr marL="0" indent="0"/>
-            <a:endParaRPr lang="de-DE" sz="2000" dirty="0">
-              <a:ea typeface="ＭＳ Ｐゴシック" pitchFamily="-106" charset="-128"/>
-              <a:cs typeface="ＭＳ Ｐゴシック" pitchFamily="-106" charset="-128"/>
-            </a:endParaRPr>
-          </a:p>
-        </p:txBody>
-      </p:sp>
-      <p:sp>
-        <p:nvSpPr>
-          <p:cNvPr id="5" name="Slide Number Placeholder 4"/>
-          <p:cNvSpPr>
-            <a:spLocks noGrp="1"/>
-          </p:cNvSpPr>
-          <p:nvPr>
-            <p:ph type="sldNum" sz="quarter" idx="12"/>
-          </p:nvPr>
-        </p:nvSpPr>
-        <p:spPr/>
-        <p:txBody>
-          <a:bodyPr/>
-          <a:lstStyle/>
-          <a:p>
-            <a:pPr>
-              <a:defRPr/>
-            </a:pPr>
-            <a:fld id="{0DF685E1-000B-FF46-B3AC-A509A8EDE44A}" type="slidenum">
-              <a:rPr lang="de-DE" smtClean="0"/>
-              <a:pPr>
-                <a:defRPr/>
-              </a:pPr>
-              <a:t>22</a:t>
-            </a:fld>
-            <a:endParaRPr lang="de-DE"/>
-          </a:p>
-        </p:txBody>
-      </p:sp>
-      <p:sp>
-        <p:nvSpPr>
-          <p:cNvPr id="6" name="TextBox 5"/>
-          <p:cNvSpPr txBox="1"/>
-          <p:nvPr/>
-        </p:nvSpPr>
-        <p:spPr>
-          <a:xfrm>
-            <a:off x="7328165" y="782135"/>
-            <a:ext cx="2835007" cy="369332"/>
-          </a:xfrm>
-          <a:prstGeom prst="rect">
-            <a:avLst/>
-          </a:prstGeom>
-          <a:noFill/>
-        </p:spPr>
-        <p:txBody>
-          <a:bodyPr wrap="none" rtlCol="0">
-            <a:spAutoFit/>
-          </a:bodyPr>
-          <a:lstStyle/>
-          <a:p>
-            <a:r>
-              <a:rPr lang="en-GB" dirty="0">
-                <a:latin typeface="Arial" pitchFamily="-112" charset="0"/>
-                <a:ea typeface="ＭＳ Ｐゴシック" pitchFamily="-112" charset="-128"/>
-                <a:cs typeface="ＭＳ Ｐゴシック" pitchFamily="-112" charset="-128"/>
-              </a:rPr>
-              <a:t>[dePoel&amp;Royakkers2011] </a:t>
-            </a:r>
-            <a:endParaRPr lang="en-US" dirty="0"/>
+            <a:r>
+              <a:rPr lang="en-US" dirty="0"/>
+              <a:t>Methods for </a:t>
+            </a:r>
+            <a:r>
+              <a:rPr lang="en-US" dirty="0" err="1"/>
+              <a:t>Analysing</a:t>
+            </a:r>
+            <a:r>
+              <a:rPr lang="en-US" dirty="0"/>
+              <a:t> Risks during Specification</a:t>
+            </a:r>
           </a:p>
         </p:txBody>
       </p:sp>
     </p:spTree>
     <p:extLst>
       <p:ext uri="{BB962C8B-B14F-4D97-AF65-F5344CB8AC3E}">
-        <p14:creationId xmlns:p14="http://schemas.microsoft.com/office/powerpoint/2010/main" val="180778513"/>
+        <p14:creationId xmlns:p14="http://schemas.microsoft.com/office/powerpoint/2010/main" val="3524577785"/>
       </p:ext>
     </p:extLst>
   </p:cSld>
   <p:clrMapOvr>
     <a:masterClrMapping/>
   </p:clrMapOvr>
+  <p:transition spd="slow">
+    <p:wipe dir="d"/>
+  </p:transition>
 </p:sld>
 </file>
 
@@ -19850,7 +19661,7 @@
         <p:spPr>
           <a:xfrm>
             <a:off x="478369" y="144001"/>
-            <a:ext cx="9169401" cy="637849"/>
+            <a:ext cx="9169401" cy="576293"/>
           </a:xfrm>
         </p:spPr>
         <p:txBody>
@@ -19859,13 +19670,13 @@
           <a:p>
             <a:pPr eaLnBrk="1" hangingPunct="1"/>
             <a:r>
-              <a:rPr lang="en-US" sz="3200" b="1" dirty="0">
+              <a:rPr lang="en-US" sz="2800" b="1" dirty="0">
                 <a:ea typeface="ＭＳ Ｐゴシック" pitchFamily="-106" charset="-128"/>
                 <a:cs typeface="ＭＳ Ｐゴシック" pitchFamily="-106" charset="-128"/>
               </a:rPr>
-              <a:t>Cost-Benefit Analysis</a:t>
-            </a:r>
-            <a:endParaRPr lang="de-DE" sz="3200" b="1" dirty="0">
+              <a:t>Ethical Questions in Design &amp; Risk</a:t>
+            </a:r>
+            <a:endParaRPr lang="de-DE" sz="2800" b="1" dirty="0">
               <a:ea typeface="ＭＳ Ｐゴシック" pitchFamily="-106" charset="-128"/>
               <a:cs typeface="ＭＳ Ｐゴシック" pitchFamily="-106" charset="-128"/>
             </a:endParaRPr>
@@ -19882,15 +19693,25 @@
             <p:ph idx="1"/>
           </p:nvPr>
         </p:nvSpPr>
-        <p:spPr>
-          <a:xfrm>
-            <a:off x="422564" y="1243414"/>
-            <a:ext cx="10043103" cy="4187568"/>
-          </a:xfrm>
-        </p:spPr>
+        <p:spPr/>
         <p:txBody>
           <a:bodyPr/>
           <a:lstStyle/>
+          <a:p>
+            <a:pPr marL="0" indent="0">
+              <a:buClr>
+                <a:schemeClr val="accent1"/>
+              </a:buClr>
+              <a:buSzPct val="80000"/>
+            </a:pPr>
+            <a:r>
+              <a:rPr lang="en-US" sz="2000" dirty="0">
+                <a:ea typeface="ＭＳ Ｐゴシック" pitchFamily="-106" charset="-128"/>
+                <a:cs typeface="ＭＳ Ｐゴシック" pitchFamily="-106" charset="-128"/>
+              </a:rPr>
+              <a:t>A moral problem during design relates to a value conflict with possible moral implications:</a:t>
+            </a:r>
+          </a:p>
           <a:p>
             <a:pPr eaLnBrk="1" hangingPunct="1">
               <a:buClr>
@@ -19908,14 +19729,53 @@
                 <a:ea typeface="ＭＳ Ｐゴシック" pitchFamily="-106" charset="-128"/>
                 <a:cs typeface="ＭＳ Ｐゴシック" pitchFamily="-106" charset="-128"/>
               </a:rPr>
-              <a:t>Cost-Benefit Analysis</a:t>
+              <a:t>Value conflict</a:t>
             </a:r>
             <a:r>
               <a:rPr lang="en-US" sz="2000" dirty="0">
                 <a:ea typeface="ＭＳ Ｐゴシック" pitchFamily="-106" charset="-128"/>
                 <a:cs typeface="ＭＳ Ｐゴシック" pitchFamily="-106" charset="-128"/>
               </a:rPr>
-              <a:t>: A method for comparing alternatives in which the relevant advantages (benefits) and disadvantages (costs) of the options are expressed in monetary units and the overall monetary cost or benefit of each alternative is calculated.</a:t>
+              <a:t>: A value conflict arises if </a:t>
+            </a:r>
+            <a:br>
+              <a:rPr lang="en-US" sz="2000" dirty="0">
+                <a:ea typeface="ＭＳ Ｐゴシック" pitchFamily="-106" charset="-128"/>
+                <a:cs typeface="ＭＳ Ｐゴシック" pitchFamily="-106" charset="-128"/>
+              </a:rPr>
+            </a:br>
+            <a:r>
+              <a:rPr lang="en-US" sz="2000" dirty="0">
+                <a:ea typeface="ＭＳ Ｐゴシック" pitchFamily="-106" charset="-128"/>
+                <a:cs typeface="ＭＳ Ｐゴシック" pitchFamily="-106" charset="-128"/>
+              </a:rPr>
+              <a:t>(1) a choice has to be be made between at least two options for which two values are relevant as choice criteria,</a:t>
+            </a:r>
+            <a:br>
+              <a:rPr lang="en-US" sz="2000" dirty="0">
+                <a:ea typeface="ＭＳ Ｐゴシック" pitchFamily="-106" charset="-128"/>
+                <a:cs typeface="ＭＳ Ｐゴシック" pitchFamily="-106" charset="-128"/>
+              </a:rPr>
+            </a:br>
+            <a:r>
+              <a:rPr lang="en-US" sz="2000" dirty="0">
+                <a:ea typeface="ＭＳ Ｐゴシック" pitchFamily="-106" charset="-128"/>
+                <a:cs typeface="ＭＳ Ｐゴシック" pitchFamily="-106" charset="-128"/>
+              </a:rPr>
+              <a:t>(2) at least two different values select at least two different options best, and</a:t>
+            </a:r>
+            <a:br>
+              <a:rPr lang="en-US" sz="2000" dirty="0">
+                <a:ea typeface="ＭＳ Ｐゴシック" pitchFamily="-106" charset="-128"/>
+                <a:cs typeface="ＭＳ Ｐゴシック" pitchFamily="-106" charset="-128"/>
+              </a:rPr>
+            </a:br>
+            <a:r>
+              <a:rPr lang="en-US" sz="2000" dirty="0">
+                <a:ea typeface="ＭＳ Ｐゴシック" pitchFamily="-106" charset="-128"/>
+                <a:cs typeface="ＭＳ Ｐゴシック" pitchFamily="-106" charset="-128"/>
+              </a:rPr>
+              <a:t>(3) the values do not trump each other.</a:t>
             </a:r>
           </a:p>
           <a:p>
@@ -19935,56 +19795,15 @@
                 <a:ea typeface="ＭＳ Ｐゴシック" pitchFamily="-106" charset="-128"/>
                 <a:cs typeface="ＭＳ Ｐゴシック" pitchFamily="-106" charset="-128"/>
               </a:rPr>
-              <a:t>Contingent Validation</a:t>
+              <a:t>Trumping (of values)</a:t>
             </a:r>
             <a:r>
               <a:rPr lang="en-US" sz="2000" dirty="0">
                 <a:ea typeface="ＭＳ Ｐゴシック" pitchFamily="-106" charset="-128"/>
                 <a:cs typeface="ＭＳ Ｐゴシック" pitchFamily="-106" charset="-128"/>
               </a:rPr>
-              <a:t>: An approach to express values like safety or sustainability in monetary unity by asking people how much they are willing to pay for a certain level of safety or sustainability (for example, the preservation of a piece of beautiful nature).</a:t>
-            </a:r>
-          </a:p>
-          <a:p>
-            <a:pPr eaLnBrk="1" hangingPunct="1">
-              <a:buClr>
-                <a:schemeClr val="accent1"/>
-              </a:buClr>
-              <a:buSzPct val="80000"/>
-              <a:buFont typeface=".AppleSDGothicNeoI-Regular" charset="-127"/>
-              <a:buChar char="◼︎"/>
-            </a:pPr>
-            <a:r>
-              <a:rPr lang="en-US" sz="2000" b="1" dirty="0">
-                <a:solidFill>
-                  <a:schemeClr val="accent1"/>
-                </a:solidFill>
-                <a:ea typeface="ＭＳ Ｐゴシック" pitchFamily="-106" charset="-128"/>
-                <a:cs typeface="ＭＳ Ｐゴシック" pitchFamily="-106" charset="-128"/>
-              </a:rPr>
-              <a:t>Incommensurability</a:t>
-            </a:r>
-            <a:r>
-              <a:rPr lang="en-US" sz="2000" dirty="0">
-                <a:ea typeface="ＭＳ Ｐゴシック" pitchFamily="-106" charset="-128"/>
-                <a:cs typeface="ＭＳ Ｐゴシック" pitchFamily="-106" charset="-128"/>
-              </a:rPr>
-              <a:t>: Two (or more) values are incommensurable if they cannot be expressed or measured on a common scale or in terms of a common value measure.</a:t>
-            </a:r>
-          </a:p>
-          <a:p>
-            <a:pPr eaLnBrk="1" hangingPunct="1">
-              <a:buClr>
-                <a:schemeClr val="accent1"/>
-              </a:buClr>
-              <a:buSzPct val="80000"/>
-              <a:buFont typeface=".AppleSDGothicNeoI-Regular" charset="-127"/>
-              <a:buChar char="◼︎"/>
-            </a:pPr>
-            <a:endParaRPr lang="en-US" sz="2000" dirty="0">
-              <a:ea typeface="ＭＳ Ｐゴシック" pitchFamily="-106" charset="-128"/>
-              <a:cs typeface="ＭＳ Ｐゴシック" pitchFamily="-106" charset="-128"/>
-            </a:endParaRPr>
+              <a:t>: If one value trumps another any(small) amount of the first value is worth more than any (large) amount of the second value.</a:t>
+            </a:r>
           </a:p>
           <a:p>
             <a:pPr marL="0" indent="0"/>
@@ -20039,7 +19858,7 @@
         </p:nvSpPr>
         <p:spPr>
           <a:xfrm>
-            <a:off x="7245037" y="769997"/>
+            <a:off x="7328165" y="782135"/>
             <a:ext cx="2835007" cy="369332"/>
           </a:xfrm>
           <a:prstGeom prst="rect">
@@ -20068,7 +19887,7 @@
     </p:spTree>
     <p:extLst>
       <p:ext uri="{BB962C8B-B14F-4D97-AF65-F5344CB8AC3E}">
-        <p14:creationId xmlns:p14="http://schemas.microsoft.com/office/powerpoint/2010/main" val="2043334103"/>
+        <p14:creationId xmlns:p14="http://schemas.microsoft.com/office/powerpoint/2010/main" val="180778513"/>
       </p:ext>
     </p:extLst>
   </p:cSld>
@@ -20121,7 +19940,7 @@
                 <a:ea typeface="ＭＳ Ｐゴシック" pitchFamily="-106" charset="-128"/>
                 <a:cs typeface="ＭＳ Ｐゴシック" pitchFamily="-106" charset="-128"/>
               </a:rPr>
-              <a:t>Other Methods ...</a:t>
+              <a:t>Ethical Problem Analysis</a:t>
             </a:r>
             <a:endParaRPr lang="de-DE" sz="3200" b="1" dirty="0">
               <a:ea typeface="ＭＳ Ｐゴシック" pitchFamily="-106" charset="-128"/>
@@ -20142,14 +19961,12 @@
         </p:nvSpPr>
         <p:spPr>
           <a:xfrm>
-            <a:off x="476463" y="1069173"/>
-            <a:ext cx="9800649" cy="4895825"/>
+            <a:off x="422564" y="1243414"/>
+            <a:ext cx="10043103" cy="4187568"/>
           </a:xfrm>
         </p:spPr>
         <p:txBody>
-          <a:bodyPr>
-            <a:normAutofit/>
-          </a:bodyPr>
+          <a:bodyPr/>
           <a:lstStyle/>
           <a:p>
             <a:pPr eaLnBrk="1" hangingPunct="1">
@@ -20161,7 +19978,7 @@
               <a:buChar char="◼︎"/>
             </a:pPr>
             <a:r>
-              <a:rPr lang="en-US" b="1" dirty="0">
+              <a:rPr lang="en-US" sz="2000" b="1" dirty="0">
                 <a:solidFill>
                   <a:schemeClr val="accent1"/>
                 </a:solidFill>
@@ -20171,25 +19988,11 @@
               <a:t>Cost-Benefit Analysis</a:t>
             </a:r>
             <a:r>
-              <a:rPr lang="en-US" dirty="0">
+              <a:rPr lang="en-US" sz="2000" dirty="0">
                 <a:ea typeface="ＭＳ Ｐゴシック" pitchFamily="-106" charset="-128"/>
                 <a:cs typeface="ＭＳ Ｐゴシック" pitchFamily="-106" charset="-128"/>
               </a:rPr>
-              <a:t>: A method for comparing alternatives in which various decision criteria re distinguished on basis of which the alternatives score. On the basis of the score of each of </a:t>
-            </a:r>
-            <a:r>
-              <a:rPr lang="en-US" dirty="0" err="1">
-                <a:ea typeface="ＭＳ Ｐゴシック" pitchFamily="-106" charset="-128"/>
-                <a:cs typeface="ＭＳ Ｐゴシック" pitchFamily="-106" charset="-128"/>
-              </a:rPr>
-              <a:t>th</a:t>
-            </a:r>
-            <a:r>
-              <a:rPr lang="en-US" dirty="0">
-                <a:ea typeface="ＭＳ Ｐゴシック" pitchFamily="-106" charset="-128"/>
-                <a:cs typeface="ＭＳ Ｐゴシック" pitchFamily="-106" charset="-128"/>
-              </a:rPr>
-              <a:t> alternatives on the individual criteria, usually a total score is calculated for each alternative.</a:t>
+              <a:t>: A method for comparing alternatives in which the relevant advantages (benefits) and disadvantages (costs) of the options are expressed in monetary units and the overall monetary cost or benefit of each alternative is calculated.</a:t>
             </a:r>
           </a:p>
           <a:p>
@@ -20202,21 +20005,21 @@
               <a:buChar char="◼︎"/>
             </a:pPr>
             <a:r>
-              <a:rPr lang="en-US" b="1" dirty="0">
+              <a:rPr lang="en-US" sz="2000" b="1" dirty="0">
                 <a:solidFill>
                   <a:schemeClr val="accent1"/>
                 </a:solidFill>
                 <a:ea typeface="ＭＳ Ｐゴシック" pitchFamily="-106" charset="-128"/>
                 <a:cs typeface="ＭＳ Ｐゴシック" pitchFamily="-106" charset="-128"/>
               </a:rPr>
-              <a:t>Threshold</a:t>
-            </a:r>
-            <a:r>
-              <a:rPr lang="en-US" dirty="0">
+              <a:t>Contingent Validation</a:t>
+            </a:r>
+            <a:r>
+              <a:rPr lang="en-US" sz="2000" dirty="0">
                 <a:ea typeface="ＭＳ Ｐゴシック" pitchFamily="-106" charset="-128"/>
                 <a:cs typeface="ＭＳ Ｐゴシック" pitchFamily="-106" charset="-128"/>
               </a:rPr>
-              <a:t>: The minimal level of a (design) criterion or value that an alternative has to meet in order to be acceptable with respect to that criterion or value.</a:t>
+              <a:t>: An approach to express values like safety or sustainability in monetary unity by asking people how much they are willing to pay for a certain level of safety or sustainability (for example, the preservation of a piece of beautiful nature).</a:t>
             </a:r>
           </a:p>
           <a:p>
@@ -20229,21 +20032,21 @@
               <a:buChar char="◼︎"/>
             </a:pPr>
             <a:r>
-              <a:rPr lang="en-US" b="1" dirty="0">
+              <a:rPr lang="en-US" sz="2000" b="1" dirty="0">
                 <a:solidFill>
                   <a:schemeClr val="accent1"/>
                 </a:solidFill>
                 <a:ea typeface="ＭＳ Ｐゴシック" pitchFamily="-106" charset="-128"/>
                 <a:cs typeface="ＭＳ Ｐゴシック" pitchFamily="-106" charset="-128"/>
               </a:rPr>
-              <a:t>Reasoning</a:t>
-            </a:r>
-            <a:r>
-              <a:rPr lang="en-US" dirty="0">
+              <a:t>Incommensurability</a:t>
+            </a:r>
+            <a:r>
+              <a:rPr lang="en-US" sz="2000" dirty="0">
                 <a:ea typeface="ＭＳ Ｐゴシック" pitchFamily="-106" charset="-128"/>
                 <a:cs typeface="ＭＳ Ｐゴシック" pitchFamily="-106" charset="-128"/>
               </a:rPr>
-              <a:t>: An approach that aims at clarifying the values that underlie the conflicting design requirements by (1) identify relevant values, (2) specify the values, and (3) looking for common ground among values.</a:t>
+              <a:t>: Two (or more) values are incommensurable if they cannot be expressed or measured on a common scale or in terms of a common value measure.</a:t>
             </a:r>
           </a:p>
           <a:p>
@@ -20255,104 +20058,21 @@
               <a:buFont typeface=".AppleSDGothicNeoI-Regular" charset="-127"/>
               <a:buChar char="◼︎"/>
             </a:pPr>
-            <a:r>
-              <a:rPr lang="en-US" b="1" dirty="0">
-                <a:solidFill>
-                  <a:schemeClr val="accent1"/>
-                </a:solidFill>
-                <a:ea typeface="ＭＳ Ｐゴシック" pitchFamily="-106" charset="-128"/>
-                <a:cs typeface="ＭＳ Ｐゴシック" pitchFamily="-106" charset="-128"/>
-              </a:rPr>
-              <a:t>Value Sensitive Design</a:t>
-            </a:r>
-            <a:r>
-              <a:rPr lang="en-US" dirty="0">
-                <a:ea typeface="ＭＳ Ｐゴシック" pitchFamily="-106" charset="-128"/>
-                <a:cs typeface="ＭＳ Ｐゴシック" pitchFamily="-106" charset="-128"/>
-              </a:rPr>
-              <a:t>: An approach that aims at integrating values of ethical importance in a systematic way in engineering design.</a:t>
-            </a:r>
-          </a:p>
-          <a:p>
-            <a:pPr eaLnBrk="1" hangingPunct="1">
-              <a:buClr>
-                <a:schemeClr val="accent1"/>
-              </a:buClr>
-              <a:buSzPct val="80000"/>
-              <a:buFont typeface=".AppleSDGothicNeoI-Regular" charset="-127"/>
-              <a:buChar char="◼︎"/>
-            </a:pPr>
-            <a:endParaRPr lang="en-US" dirty="0">
+            <a:endParaRPr lang="en-US" sz="2000" dirty="0">
               <a:ea typeface="ＭＳ Ｐゴシック" pitchFamily="-106" charset="-128"/>
               <a:cs typeface="ＭＳ Ｐゴシック" pitchFamily="-106" charset="-128"/>
             </a:endParaRPr>
           </a:p>
           <a:p>
-            <a:pPr eaLnBrk="1" hangingPunct="1">
-              <a:buClr>
-                <a:schemeClr val="accent1"/>
-              </a:buClr>
-              <a:buSzPct val="80000"/>
-              <a:buFont typeface=".AppleSDGothicNeoI-Regular" charset="-127"/>
-              <a:buChar char="◼︎"/>
-            </a:pPr>
-            <a:endParaRPr lang="en-US" dirty="0">
+            <a:pPr marL="0" indent="0"/>
+            <a:endParaRPr lang="en-US" sz="2000" dirty="0">
               <a:ea typeface="ＭＳ Ｐゴシック" pitchFamily="-106" charset="-128"/>
               <a:cs typeface="ＭＳ Ｐゴシック" pitchFamily="-106" charset="-128"/>
             </a:endParaRPr>
           </a:p>
           <a:p>
-            <a:pPr eaLnBrk="1" hangingPunct="1">
-              <a:buClr>
-                <a:schemeClr val="accent1"/>
-              </a:buClr>
-              <a:buSzPct val="80000"/>
-              <a:buFont typeface=".AppleSDGothicNeoI-Regular" charset="-127"/>
-              <a:buChar char="◼︎"/>
-            </a:pPr>
-            <a:endParaRPr lang="en-US" dirty="0">
-              <a:ea typeface="ＭＳ Ｐゴシック" pitchFamily="-106" charset="-128"/>
-              <a:cs typeface="ＭＳ Ｐゴシック" pitchFamily="-106" charset="-128"/>
-            </a:endParaRPr>
-          </a:p>
-          <a:p>
-            <a:pPr eaLnBrk="1" hangingPunct="1">
-              <a:buClr>
-                <a:schemeClr val="accent1"/>
-              </a:buClr>
-              <a:buSzPct val="80000"/>
-              <a:buFont typeface=".AppleSDGothicNeoI-Regular" charset="-127"/>
-              <a:buChar char="◼︎"/>
-            </a:pPr>
-            <a:endParaRPr lang="en-US" dirty="0">
-              <a:ea typeface="ＭＳ Ｐゴシック" pitchFamily="-106" charset="-128"/>
-              <a:cs typeface="ＭＳ Ｐゴシック" pitchFamily="-106" charset="-128"/>
-            </a:endParaRPr>
-          </a:p>
-          <a:p>
-            <a:pPr eaLnBrk="1" hangingPunct="1">
-              <a:buClr>
-                <a:schemeClr val="accent1"/>
-              </a:buClr>
-              <a:buSzPct val="80000"/>
-              <a:buFont typeface=".AppleSDGothicNeoI-Regular" charset="-127"/>
-              <a:buChar char="◼︎"/>
-            </a:pPr>
-            <a:endParaRPr lang="en-US" dirty="0">
-              <a:ea typeface="ＭＳ Ｐゴシック" pitchFamily="-106" charset="-128"/>
-              <a:cs typeface="ＭＳ Ｐゴシック" pitchFamily="-106" charset="-128"/>
-            </a:endParaRPr>
-          </a:p>
-          <a:p>
             <a:pPr marL="0" indent="0"/>
-            <a:endParaRPr lang="en-US" dirty="0">
-              <a:ea typeface="ＭＳ Ｐゴシック" pitchFamily="-106" charset="-128"/>
-              <a:cs typeface="ＭＳ Ｐゴシック" pitchFamily="-106" charset="-128"/>
-            </a:endParaRPr>
-          </a:p>
-          <a:p>
-            <a:pPr marL="0" indent="0"/>
-            <a:endParaRPr lang="de-DE" dirty="0">
+            <a:endParaRPr lang="de-DE" sz="2000" dirty="0">
               <a:ea typeface="ＭＳ Ｐゴシック" pitchFamily="-106" charset="-128"/>
               <a:cs typeface="ＭＳ Ｐゴシック" pitchFamily="-106" charset="-128"/>
             </a:endParaRPr>
@@ -20396,7 +20116,7 @@
         </p:nvSpPr>
         <p:spPr>
           <a:xfrm>
-            <a:off x="7196546" y="421921"/>
+            <a:off x="7245037" y="769997"/>
             <a:ext cx="2835007" cy="369332"/>
           </a:xfrm>
           <a:prstGeom prst="rect">
@@ -20425,7 +20145,7 @@
     </p:spTree>
     <p:extLst>
       <p:ext uri="{BB962C8B-B14F-4D97-AF65-F5344CB8AC3E}">
-        <p14:creationId xmlns:p14="http://schemas.microsoft.com/office/powerpoint/2010/main" val="1820950992"/>
+        <p14:creationId xmlns:p14="http://schemas.microsoft.com/office/powerpoint/2010/main" val="2043334103"/>
       </p:ext>
     </p:extLst>
   </p:cSld>
@@ -20478,9 +20198,197 @@
                 <a:ea typeface="ＭＳ Ｐゴシック" pitchFamily="-106" charset="-128"/>
                 <a:cs typeface="ＭＳ Ｐゴシック" pitchFamily="-106" charset="-128"/>
               </a:rPr>
-              <a:t>Comparison of the Methods ...</a:t>
+              <a:t>Other Methods ...</a:t>
             </a:r>
             <a:endParaRPr lang="de-DE" sz="3200" b="1" dirty="0">
+              <a:ea typeface="ＭＳ Ｐゴシック" pitchFamily="-106" charset="-128"/>
+              <a:cs typeface="ＭＳ Ｐゴシック" pitchFamily="-106" charset="-128"/>
+            </a:endParaRPr>
+          </a:p>
+        </p:txBody>
+      </p:sp>
+      <p:sp>
+        <p:nvSpPr>
+          <p:cNvPr id="32773" name="Rectangle 3"/>
+          <p:cNvSpPr>
+            <a:spLocks noGrp="1" noChangeArrowheads="1"/>
+          </p:cNvSpPr>
+          <p:nvPr>
+            <p:ph idx="1"/>
+          </p:nvPr>
+        </p:nvSpPr>
+        <p:spPr>
+          <a:xfrm>
+            <a:off x="476463" y="1069173"/>
+            <a:ext cx="9800649" cy="4895825"/>
+          </a:xfrm>
+        </p:spPr>
+        <p:txBody>
+          <a:bodyPr>
+            <a:normAutofit/>
+          </a:bodyPr>
+          <a:lstStyle/>
+          <a:p>
+            <a:pPr eaLnBrk="1" hangingPunct="1">
+              <a:buClr>
+                <a:schemeClr val="accent1"/>
+              </a:buClr>
+              <a:buSzPct val="80000"/>
+              <a:buFont typeface=".AppleSDGothicNeoI-Regular" charset="-127"/>
+              <a:buChar char="◼︎"/>
+            </a:pPr>
+            <a:r>
+              <a:rPr lang="en-US" b="1" dirty="0">
+                <a:solidFill>
+                  <a:schemeClr val="accent1"/>
+                </a:solidFill>
+                <a:ea typeface="ＭＳ Ｐゴシック" pitchFamily="-106" charset="-128"/>
+                <a:cs typeface="ＭＳ Ｐゴシック" pitchFamily="-106" charset="-128"/>
+              </a:rPr>
+              <a:t>Threshold</a:t>
+            </a:r>
+            <a:r>
+              <a:rPr lang="en-US" dirty="0">
+                <a:ea typeface="ＭＳ Ｐゴシック" pitchFamily="-106" charset="-128"/>
+                <a:cs typeface="ＭＳ Ｐゴシック" pitchFamily="-106" charset="-128"/>
+              </a:rPr>
+              <a:t>: The minimal level of a (design) criterion or value that an alternative has to meet in order to be acceptable with respect to that criterion or value.</a:t>
+            </a:r>
+          </a:p>
+          <a:p>
+            <a:pPr eaLnBrk="1" hangingPunct="1">
+              <a:buClr>
+                <a:schemeClr val="accent1"/>
+              </a:buClr>
+              <a:buSzPct val="80000"/>
+              <a:buFont typeface=".AppleSDGothicNeoI-Regular" charset="-127"/>
+              <a:buChar char="◼︎"/>
+            </a:pPr>
+            <a:r>
+              <a:rPr lang="en-US" b="1" dirty="0">
+                <a:solidFill>
+                  <a:schemeClr val="accent1"/>
+                </a:solidFill>
+                <a:ea typeface="ＭＳ Ｐゴシック" pitchFamily="-106" charset="-128"/>
+                <a:cs typeface="ＭＳ Ｐゴシック" pitchFamily="-106" charset="-128"/>
+              </a:rPr>
+              <a:t>Reasoning</a:t>
+            </a:r>
+            <a:r>
+              <a:rPr lang="en-US" dirty="0">
+                <a:ea typeface="ＭＳ Ｐゴシック" pitchFamily="-106" charset="-128"/>
+                <a:cs typeface="ＭＳ Ｐゴシック" pitchFamily="-106" charset="-128"/>
+              </a:rPr>
+              <a:t>: An approach that aims at clarifying the values that underlie the conflicting design requirements by (1) identify relevant values, (2) specify the values, and (3) looking for common ground among values.</a:t>
+            </a:r>
+          </a:p>
+          <a:p>
+            <a:pPr eaLnBrk="1" hangingPunct="1">
+              <a:buClr>
+                <a:schemeClr val="accent1"/>
+              </a:buClr>
+              <a:buSzPct val="80000"/>
+              <a:buFont typeface=".AppleSDGothicNeoI-Regular" charset="-127"/>
+              <a:buChar char="◼︎"/>
+            </a:pPr>
+            <a:r>
+              <a:rPr lang="en-US" b="1" dirty="0">
+                <a:solidFill>
+                  <a:schemeClr val="accent1"/>
+                </a:solidFill>
+                <a:ea typeface="ＭＳ Ｐゴシック" pitchFamily="-106" charset="-128"/>
+                <a:cs typeface="ＭＳ Ｐゴシック" pitchFamily="-106" charset="-128"/>
+              </a:rPr>
+              <a:t>Value Sensitive Design</a:t>
+            </a:r>
+            <a:r>
+              <a:rPr lang="en-US" dirty="0">
+                <a:ea typeface="ＭＳ Ｐゴシック" pitchFamily="-106" charset="-128"/>
+                <a:cs typeface="ＭＳ Ｐゴシック" pitchFamily="-106" charset="-128"/>
+              </a:rPr>
+              <a:t>: An approach that aims at integrating values of ethical importance in a systematic way in engineering design.</a:t>
+            </a:r>
+          </a:p>
+          <a:p>
+            <a:pPr eaLnBrk="1" hangingPunct="1">
+              <a:buClr>
+                <a:schemeClr val="accent1"/>
+              </a:buClr>
+              <a:buSzPct val="80000"/>
+              <a:buFont typeface=".AppleSDGothicNeoI-Regular" charset="-127"/>
+              <a:buChar char="◼︎"/>
+            </a:pPr>
+            <a:endParaRPr lang="en-US" dirty="0">
+              <a:ea typeface="ＭＳ Ｐゴシック" pitchFamily="-106" charset="-128"/>
+              <a:cs typeface="ＭＳ Ｐゴシック" pitchFamily="-106" charset="-128"/>
+            </a:endParaRPr>
+          </a:p>
+          <a:p>
+            <a:pPr eaLnBrk="1" hangingPunct="1">
+              <a:buClr>
+                <a:schemeClr val="accent1"/>
+              </a:buClr>
+              <a:buSzPct val="80000"/>
+              <a:buFont typeface=".AppleSDGothicNeoI-Regular" charset="-127"/>
+              <a:buChar char="◼︎"/>
+            </a:pPr>
+            <a:endParaRPr lang="en-US" dirty="0">
+              <a:ea typeface="ＭＳ Ｐゴシック" pitchFamily="-106" charset="-128"/>
+              <a:cs typeface="ＭＳ Ｐゴシック" pitchFamily="-106" charset="-128"/>
+            </a:endParaRPr>
+          </a:p>
+          <a:p>
+            <a:pPr eaLnBrk="1" hangingPunct="1">
+              <a:buClr>
+                <a:schemeClr val="accent1"/>
+              </a:buClr>
+              <a:buSzPct val="80000"/>
+              <a:buFont typeface=".AppleSDGothicNeoI-Regular" charset="-127"/>
+              <a:buChar char="◼︎"/>
+            </a:pPr>
+            <a:endParaRPr lang="en-US" dirty="0">
+              <a:ea typeface="ＭＳ Ｐゴシック" pitchFamily="-106" charset="-128"/>
+              <a:cs typeface="ＭＳ Ｐゴシック" pitchFamily="-106" charset="-128"/>
+            </a:endParaRPr>
+          </a:p>
+          <a:p>
+            <a:pPr eaLnBrk="1" hangingPunct="1">
+              <a:buClr>
+                <a:schemeClr val="accent1"/>
+              </a:buClr>
+              <a:buSzPct val="80000"/>
+              <a:buFont typeface=".AppleSDGothicNeoI-Regular" charset="-127"/>
+              <a:buChar char="◼︎"/>
+            </a:pPr>
+            <a:endParaRPr lang="en-US" dirty="0">
+              <a:ea typeface="ＭＳ Ｐゴシック" pitchFamily="-106" charset="-128"/>
+              <a:cs typeface="ＭＳ Ｐゴシック" pitchFamily="-106" charset="-128"/>
+            </a:endParaRPr>
+          </a:p>
+          <a:p>
+            <a:pPr eaLnBrk="1" hangingPunct="1">
+              <a:buClr>
+                <a:schemeClr val="accent1"/>
+              </a:buClr>
+              <a:buSzPct val="80000"/>
+              <a:buFont typeface=".AppleSDGothicNeoI-Regular" charset="-127"/>
+              <a:buChar char="◼︎"/>
+            </a:pPr>
+            <a:endParaRPr lang="en-US" dirty="0">
+              <a:ea typeface="ＭＳ Ｐゴシック" pitchFamily="-106" charset="-128"/>
+              <a:cs typeface="ＭＳ Ｐゴシック" pitchFamily="-106" charset="-128"/>
+            </a:endParaRPr>
+          </a:p>
+          <a:p>
+            <a:pPr marL="0" indent="0"/>
+            <a:endParaRPr lang="en-US" dirty="0">
+              <a:ea typeface="ＭＳ Ｐゴシック" pitchFamily="-106" charset="-128"/>
+              <a:cs typeface="ＭＳ Ｐゴシック" pitchFamily="-106" charset="-128"/>
+            </a:endParaRPr>
+          </a:p>
+          <a:p>
+            <a:pPr marL="0" indent="0"/>
+            <a:endParaRPr lang="de-DE" dirty="0">
               <a:ea typeface="ＭＳ Ｐゴシック" pitchFamily="-106" charset="-128"/>
               <a:cs typeface="ＭＳ Ｐゴシック" pitchFamily="-106" charset="-128"/>
             </a:endParaRPr>
@@ -20524,6 +20432,134 @@
         </p:nvSpPr>
         <p:spPr>
           <a:xfrm>
+            <a:off x="7196546" y="421921"/>
+            <a:ext cx="2835007" cy="369332"/>
+          </a:xfrm>
+          <a:prstGeom prst="rect">
+            <a:avLst/>
+          </a:prstGeom>
+          <a:noFill/>
+        </p:spPr>
+        <p:txBody>
+          <a:bodyPr wrap="none" rtlCol="0">
+            <a:spAutoFit/>
+          </a:bodyPr>
+          <a:lstStyle/>
+          <a:p>
+            <a:r>
+              <a:rPr lang="en-GB" dirty="0">
+                <a:latin typeface="Arial" pitchFamily="-112" charset="0"/>
+                <a:ea typeface="ＭＳ Ｐゴシック" pitchFamily="-112" charset="-128"/>
+                <a:cs typeface="ＭＳ Ｐゴシック" pitchFamily="-112" charset="-128"/>
+              </a:rPr>
+              <a:t>[dePoel&amp;Royakkers2011] </a:t>
+            </a:r>
+            <a:endParaRPr lang="en-US" dirty="0"/>
+          </a:p>
+        </p:txBody>
+      </p:sp>
+    </p:spTree>
+    <p:extLst>
+      <p:ext uri="{BB962C8B-B14F-4D97-AF65-F5344CB8AC3E}">
+        <p14:creationId xmlns:p14="http://schemas.microsoft.com/office/powerpoint/2010/main" val="1820950992"/>
+      </p:ext>
+    </p:extLst>
+  </p:cSld>
+  <p:clrMapOvr>
+    <a:masterClrMapping/>
+  </p:clrMapOvr>
+</p:sld>
+</file>
+
+<file path=ppt/slides/slide26.xml><?xml version="1.0" encoding="utf-8"?>
+<p:sld xmlns:a="http://schemas.openxmlformats.org/drawingml/2006/main" xmlns:r="http://schemas.openxmlformats.org/officeDocument/2006/relationships" xmlns:p="http://schemas.openxmlformats.org/presentationml/2006/main">
+  <p:cSld>
+    <p:spTree>
+      <p:nvGrpSpPr>
+        <p:cNvPr id="1" name=""/>
+        <p:cNvGrpSpPr/>
+        <p:nvPr/>
+      </p:nvGrpSpPr>
+      <p:grpSpPr>
+        <a:xfrm>
+          <a:off x="0" y="0"/>
+          <a:ext cx="0" cy="0"/>
+          <a:chOff x="0" y="0"/>
+          <a:chExt cx="0" cy="0"/>
+        </a:xfrm>
+      </p:grpSpPr>
+      <p:sp>
+        <p:nvSpPr>
+          <p:cNvPr id="32772" name="Rectangle 2"/>
+          <p:cNvSpPr>
+            <a:spLocks noGrp="1" noChangeArrowheads="1"/>
+          </p:cNvSpPr>
+          <p:nvPr>
+            <p:ph type="title"/>
+          </p:nvPr>
+        </p:nvSpPr>
+        <p:spPr>
+          <a:xfrm>
+            <a:off x="478369" y="144001"/>
+            <a:ext cx="9169401" cy="637849"/>
+          </a:xfrm>
+        </p:spPr>
+        <p:txBody>
+          <a:bodyPr/>
+          <a:lstStyle/>
+          <a:p>
+            <a:pPr eaLnBrk="1" hangingPunct="1"/>
+            <a:r>
+              <a:rPr lang="en-US" sz="3200" b="1" dirty="0">
+                <a:ea typeface="ＭＳ Ｐゴシック" pitchFamily="-106" charset="-128"/>
+                <a:cs typeface="ＭＳ Ｐゴシック" pitchFamily="-106" charset="-128"/>
+              </a:rPr>
+              <a:t>Comparison of the Methods ...</a:t>
+            </a:r>
+            <a:endParaRPr lang="de-DE" sz="3200" b="1" dirty="0">
+              <a:ea typeface="ＭＳ Ｐゴシック" pitchFamily="-106" charset="-128"/>
+              <a:cs typeface="ＭＳ Ｐゴシック" pitchFamily="-106" charset="-128"/>
+            </a:endParaRPr>
+          </a:p>
+        </p:txBody>
+      </p:sp>
+      <p:sp>
+        <p:nvSpPr>
+          <p:cNvPr id="5" name="Slide Number Placeholder 4"/>
+          <p:cNvSpPr>
+            <a:spLocks noGrp="1"/>
+          </p:cNvSpPr>
+          <p:nvPr>
+            <p:ph type="sldNum" sz="quarter" idx="12"/>
+          </p:nvPr>
+        </p:nvSpPr>
+        <p:spPr/>
+        <p:txBody>
+          <a:bodyPr/>
+          <a:lstStyle/>
+          <a:p>
+            <a:pPr>
+              <a:defRPr/>
+            </a:pPr>
+            <a:fld id="{0DF685E1-000B-FF46-B3AC-A509A8EDE44A}" type="slidenum">
+              <a:rPr lang="de-DE" smtClean="0"/>
+              <a:pPr>
+                <a:defRPr/>
+              </a:pPr>
+              <a:t>26</a:t>
+            </a:fld>
+            <a:endParaRPr lang="de-DE"/>
+          </a:p>
+        </p:txBody>
+      </p:sp>
+      <p:sp>
+        <p:nvSpPr>
+          <p:cNvPr id="6" name="TextBox 5"/>
+          <p:cNvSpPr txBox="1"/>
+          <p:nvPr/>
+        </p:nvSpPr>
+        <p:spPr>
+          <a:xfrm>
             <a:off x="7209540" y="799998"/>
             <a:ext cx="2835007" cy="369332"/>
           </a:xfrm>
@@ -20559,13 +20595,13 @@
           <p:nvPr>
             <p:extLst>
               <p:ext uri="{D42A27DB-BD31-4B8C-83A1-F6EECF244321}">
-                <p14:modId xmlns:p14="http://schemas.microsoft.com/office/powerpoint/2010/main" val="1766188257"/>
+                <p14:modId xmlns:p14="http://schemas.microsoft.com/office/powerpoint/2010/main" val="51292539"/>
               </p:ext>
             </p:extLst>
           </p:nvPr>
         </p:nvGraphicFramePr>
         <p:xfrm>
-          <a:off x="346123" y="1050016"/>
+          <a:off x="611043" y="1349118"/>
           <a:ext cx="8280920" cy="4604929"/>
         </p:xfrm>
         <a:graphic>
@@ -21034,293 +21070,6 @@
 </p:sld>
 </file>
 
-<file path=ppt/slides/slide26.xml><?xml version="1.0" encoding="utf-8"?>
-<p:sld xmlns:a="http://schemas.openxmlformats.org/drawingml/2006/main" xmlns:r="http://schemas.openxmlformats.org/officeDocument/2006/relationships" xmlns:p="http://schemas.openxmlformats.org/presentationml/2006/main">
-  <p:cSld>
-    <p:spTree>
-      <p:nvGrpSpPr>
-        <p:cNvPr id="1" name=""/>
-        <p:cNvGrpSpPr/>
-        <p:nvPr/>
-      </p:nvGrpSpPr>
-      <p:grpSpPr>
-        <a:xfrm>
-          <a:off x="0" y="0"/>
-          <a:ext cx="0" cy="0"/>
-          <a:chOff x="0" y="0"/>
-          <a:chExt cx="0" cy="0"/>
-        </a:xfrm>
-      </p:grpSpPr>
-      <p:sp>
-        <p:nvSpPr>
-          <p:cNvPr id="32772" name="Rectangle 2"/>
-          <p:cNvSpPr>
-            <a:spLocks noGrp="1" noChangeArrowheads="1"/>
-          </p:cNvSpPr>
-          <p:nvPr>
-            <p:ph type="title"/>
-          </p:nvPr>
-        </p:nvSpPr>
-        <p:spPr>
-          <a:xfrm>
-            <a:off x="478369" y="144001"/>
-            <a:ext cx="9169401" cy="637849"/>
-          </a:xfrm>
-        </p:spPr>
-        <p:txBody>
-          <a:bodyPr/>
-          <a:lstStyle/>
-          <a:p>
-            <a:pPr eaLnBrk="1" hangingPunct="1"/>
-            <a:r>
-              <a:rPr lang="en-US" sz="3200" b="1" dirty="0">
-                <a:ea typeface="ＭＳ Ｐゴシック" pitchFamily="-106" charset="-128"/>
-                <a:cs typeface="ＭＳ Ｐゴシック" pitchFamily="-106" charset="-128"/>
-              </a:rPr>
-              <a:t>When are Risks Acceptable?</a:t>
-            </a:r>
-            <a:endParaRPr lang="de-DE" sz="3200" b="1" dirty="0">
-              <a:ea typeface="ＭＳ Ｐゴシック" pitchFamily="-106" charset="-128"/>
-              <a:cs typeface="ＭＳ Ｐゴシック" pitchFamily="-106" charset="-128"/>
-            </a:endParaRPr>
-          </a:p>
-        </p:txBody>
-      </p:sp>
-      <p:sp>
-        <p:nvSpPr>
-          <p:cNvPr id="32773" name="Rectangle 3"/>
-          <p:cNvSpPr>
-            <a:spLocks noGrp="1" noChangeArrowheads="1"/>
-          </p:cNvSpPr>
-          <p:nvPr>
-            <p:ph idx="1"/>
-          </p:nvPr>
-        </p:nvSpPr>
-        <p:spPr>
-          <a:xfrm>
-            <a:off x="476463" y="1401276"/>
-            <a:ext cx="9940713" cy="4679801"/>
-          </a:xfrm>
-        </p:spPr>
-        <p:txBody>
-          <a:bodyPr/>
-          <a:lstStyle/>
-          <a:p>
-            <a:pPr eaLnBrk="1" hangingPunct="1">
-              <a:buClr>
-                <a:schemeClr val="accent1"/>
-              </a:buClr>
-              <a:buSzPct val="80000"/>
-              <a:buFont typeface=".AppleSDGothicNeoI-Regular" charset="-127"/>
-              <a:buChar char="◼︎"/>
-            </a:pPr>
-            <a:r>
-              <a:rPr lang="en-US" sz="2000" b="1" dirty="0">
-                <a:solidFill>
-                  <a:schemeClr val="accent1"/>
-                </a:solidFill>
-                <a:ea typeface="ＭＳ Ｐゴシック" pitchFamily="-106" charset="-128"/>
-                <a:cs typeface="ＭＳ Ｐゴシック" pitchFamily="-106" charset="-128"/>
-              </a:rPr>
-              <a:t>Informed consent</a:t>
-            </a:r>
-            <a:r>
-              <a:rPr lang="en-US" sz="2000" dirty="0">
-                <a:ea typeface="ＭＳ Ｐゴシック" pitchFamily="-106" charset="-128"/>
-                <a:cs typeface="ＭＳ Ｐゴシック" pitchFamily="-106" charset="-128"/>
-              </a:rPr>
-              <a:t>: Principle that state the activities (experiments, risks) are acceptable if people have free consented to them after being fully informed about the (potential) risk and benefits of these activities (experiments, risks).</a:t>
-            </a:r>
-          </a:p>
-          <a:p>
-            <a:pPr eaLnBrk="1" hangingPunct="1">
-              <a:buClr>
-                <a:schemeClr val="accent1"/>
-              </a:buClr>
-              <a:buSzPct val="80000"/>
-              <a:buFont typeface=".AppleSDGothicNeoI-Regular" charset="-127"/>
-              <a:buChar char="◼︎"/>
-            </a:pPr>
-            <a:r>
-              <a:rPr lang="en-US" sz="2000" b="1" dirty="0">
-                <a:solidFill>
-                  <a:schemeClr val="accent1"/>
-                </a:solidFill>
-                <a:ea typeface="ＭＳ Ｐゴシック" pitchFamily="-106" charset="-128"/>
-                <a:cs typeface="ＭＳ Ｐゴシック" pitchFamily="-106" charset="-128"/>
-              </a:rPr>
-              <a:t>Risk-Cost-Benefit Analysis</a:t>
-            </a:r>
-            <a:r>
-              <a:rPr lang="en-US" sz="2000" dirty="0">
-                <a:ea typeface="ＭＳ Ｐゴシック" pitchFamily="-106" charset="-128"/>
-                <a:cs typeface="ＭＳ Ｐゴシック" pitchFamily="-106" charset="-128"/>
-              </a:rPr>
-              <a:t>: This is a variant of regular cost-benefit analysis. The social costs for risks reduction are weighed against the social benefits offered by risk reduction, so achieving an optimal level of risk which the social benefits are highest.</a:t>
-            </a:r>
-          </a:p>
-          <a:p>
-            <a:pPr eaLnBrk="1" hangingPunct="1">
-              <a:buClr>
-                <a:schemeClr val="accent1"/>
-              </a:buClr>
-              <a:buSzPct val="80000"/>
-              <a:buFont typeface=".AppleSDGothicNeoI-Regular" charset="-127"/>
-              <a:buChar char="◼︎"/>
-            </a:pPr>
-            <a:endParaRPr lang="en-US" sz="2000" dirty="0">
-              <a:ea typeface="ＭＳ Ｐゴシック" pitchFamily="-106" charset="-128"/>
-              <a:cs typeface="ＭＳ Ｐゴシック" pitchFamily="-106" charset="-128"/>
-            </a:endParaRPr>
-          </a:p>
-          <a:p>
-            <a:pPr eaLnBrk="1" hangingPunct="1">
-              <a:buClr>
-                <a:schemeClr val="accent1"/>
-              </a:buClr>
-              <a:buSzPct val="80000"/>
-              <a:buFont typeface=".AppleSDGothicNeoI-Regular" charset="-127"/>
-              <a:buChar char="◼︎"/>
-            </a:pPr>
-            <a:endParaRPr lang="en-US" sz="2000" dirty="0">
-              <a:ea typeface="ＭＳ Ｐゴシック" pitchFamily="-106" charset="-128"/>
-              <a:cs typeface="ＭＳ Ｐゴシック" pitchFamily="-106" charset="-128"/>
-            </a:endParaRPr>
-          </a:p>
-          <a:p>
-            <a:pPr eaLnBrk="1" hangingPunct="1">
-              <a:buClr>
-                <a:schemeClr val="accent1"/>
-              </a:buClr>
-              <a:buSzPct val="80000"/>
-              <a:buFont typeface=".AppleSDGothicNeoI-Regular" charset="-127"/>
-              <a:buChar char="◼︎"/>
-            </a:pPr>
-            <a:endParaRPr lang="en-US" sz="2000" dirty="0">
-              <a:ea typeface="ＭＳ Ｐゴシック" pitchFamily="-106" charset="-128"/>
-              <a:cs typeface="ＭＳ Ｐゴシック" pitchFamily="-106" charset="-128"/>
-            </a:endParaRPr>
-          </a:p>
-          <a:p>
-            <a:pPr eaLnBrk="1" hangingPunct="1">
-              <a:buClr>
-                <a:schemeClr val="accent1"/>
-              </a:buClr>
-              <a:buSzPct val="80000"/>
-              <a:buFont typeface=".AppleSDGothicNeoI-Regular" charset="-127"/>
-              <a:buChar char="◼︎"/>
-            </a:pPr>
-            <a:endParaRPr lang="en-US" sz="2000" dirty="0">
-              <a:ea typeface="ＭＳ Ｐゴシック" pitchFamily="-106" charset="-128"/>
-              <a:cs typeface="ＭＳ Ｐゴシック" pitchFamily="-106" charset="-128"/>
-            </a:endParaRPr>
-          </a:p>
-          <a:p>
-            <a:pPr eaLnBrk="1" hangingPunct="1">
-              <a:buClr>
-                <a:schemeClr val="accent1"/>
-              </a:buClr>
-              <a:buSzPct val="80000"/>
-              <a:buFont typeface=".AppleSDGothicNeoI-Regular" charset="-127"/>
-              <a:buChar char="◼︎"/>
-            </a:pPr>
-            <a:endParaRPr lang="en-US" sz="2000" dirty="0">
-              <a:ea typeface="ＭＳ Ｐゴシック" pitchFamily="-106" charset="-128"/>
-              <a:cs typeface="ＭＳ Ｐゴシック" pitchFamily="-106" charset="-128"/>
-            </a:endParaRPr>
-          </a:p>
-          <a:p>
-            <a:pPr marL="0" indent="0"/>
-            <a:endParaRPr lang="en-US" sz="2000" dirty="0">
-              <a:ea typeface="ＭＳ Ｐゴシック" pitchFamily="-106" charset="-128"/>
-              <a:cs typeface="ＭＳ Ｐゴシック" pitchFamily="-106" charset="-128"/>
-            </a:endParaRPr>
-          </a:p>
-          <a:p>
-            <a:pPr marL="0" indent="0"/>
-            <a:endParaRPr lang="de-DE" sz="2000" dirty="0">
-              <a:ea typeface="ＭＳ Ｐゴシック" pitchFamily="-106" charset="-128"/>
-              <a:cs typeface="ＭＳ Ｐゴシック" pitchFamily="-106" charset="-128"/>
-            </a:endParaRPr>
-          </a:p>
-        </p:txBody>
-      </p:sp>
-      <p:sp>
-        <p:nvSpPr>
-          <p:cNvPr id="5" name="Slide Number Placeholder 4"/>
-          <p:cNvSpPr>
-            <a:spLocks noGrp="1"/>
-          </p:cNvSpPr>
-          <p:nvPr>
-            <p:ph type="sldNum" sz="quarter" idx="12"/>
-          </p:nvPr>
-        </p:nvSpPr>
-        <p:spPr/>
-        <p:txBody>
-          <a:bodyPr/>
-          <a:lstStyle/>
-          <a:p>
-            <a:pPr>
-              <a:defRPr/>
-            </a:pPr>
-            <a:fld id="{0DF685E1-000B-FF46-B3AC-A509A8EDE44A}" type="slidenum">
-              <a:rPr lang="de-DE" smtClean="0"/>
-              <a:pPr>
-                <a:defRPr/>
-              </a:pPr>
-              <a:t>26</a:t>
-            </a:fld>
-            <a:endParaRPr lang="de-DE"/>
-          </a:p>
-        </p:txBody>
-      </p:sp>
-      <p:sp>
-        <p:nvSpPr>
-          <p:cNvPr id="6" name="TextBox 5"/>
-          <p:cNvSpPr txBox="1"/>
-          <p:nvPr/>
-        </p:nvSpPr>
-        <p:spPr>
-          <a:xfrm>
-            <a:off x="7300455" y="776923"/>
-            <a:ext cx="2835007" cy="369332"/>
-          </a:xfrm>
-          <a:prstGeom prst="rect">
-            <a:avLst/>
-          </a:prstGeom>
-          <a:noFill/>
-        </p:spPr>
-        <p:txBody>
-          <a:bodyPr wrap="none" rtlCol="0">
-            <a:spAutoFit/>
-          </a:bodyPr>
-          <a:lstStyle/>
-          <a:p>
-            <a:r>
-              <a:rPr lang="en-GB" dirty="0">
-                <a:latin typeface="Arial" pitchFamily="-112" charset="0"/>
-                <a:ea typeface="ＭＳ Ｐゴシック" pitchFamily="-112" charset="-128"/>
-                <a:cs typeface="ＭＳ Ｐゴシック" pitchFamily="-112" charset="-128"/>
-              </a:rPr>
-              <a:t>[dePoel&amp;Royakkers2011] </a:t>
-            </a:r>
-            <a:endParaRPr lang="en-US" dirty="0"/>
-          </a:p>
-        </p:txBody>
-      </p:sp>
-    </p:spTree>
-    <p:extLst>
-      <p:ext uri="{BB962C8B-B14F-4D97-AF65-F5344CB8AC3E}">
-        <p14:creationId xmlns:p14="http://schemas.microsoft.com/office/powerpoint/2010/main" val="185562731"/>
-      </p:ext>
-    </p:extLst>
-  </p:cSld>
-  <p:clrMapOvr>
-    <a:masterClrMapping/>
-  </p:clrMapOvr>
-</p:sld>
-</file>
-
 <file path=ppt/slides/slide27.xml><?xml version="1.0" encoding="utf-8"?>
 <p:sld xmlns:a="http://schemas.openxmlformats.org/drawingml/2006/main" xmlns:r="http://schemas.openxmlformats.org/officeDocument/2006/relationships" xmlns:p="http://schemas.openxmlformats.org/presentationml/2006/main">
   <p:cSld>
@@ -21385,14 +21134,12 @@
         </p:nvSpPr>
         <p:spPr>
           <a:xfrm>
-            <a:off x="526473" y="1329472"/>
-            <a:ext cx="9890703" cy="4751809"/>
+            <a:off x="476463" y="1401276"/>
+            <a:ext cx="9940713" cy="4679801"/>
           </a:xfrm>
         </p:spPr>
         <p:txBody>
-          <a:bodyPr>
-            <a:normAutofit/>
-          </a:bodyPr>
+          <a:bodyPr/>
           <a:lstStyle/>
           <a:p>
             <a:pPr eaLnBrk="1" hangingPunct="1">
@@ -21404,21 +21151,21 @@
               <a:buChar char="◼︎"/>
             </a:pPr>
             <a:r>
-              <a:rPr lang="en-US" b="1" dirty="0">
+              <a:rPr lang="en-US" sz="2000" b="1" dirty="0">
                 <a:solidFill>
                   <a:schemeClr val="accent1"/>
                 </a:solidFill>
                 <a:ea typeface="ＭＳ Ｐゴシック" pitchFamily="-106" charset="-128"/>
                 <a:cs typeface="ＭＳ Ｐゴシック" pitchFamily="-106" charset="-128"/>
               </a:rPr>
-              <a:t>Best available technology</a:t>
-            </a:r>
-            <a:r>
-              <a:rPr lang="en-US" dirty="0">
+              <a:t>Informed consent</a:t>
+            </a:r>
+            <a:r>
+              <a:rPr lang="en-US" sz="2000" dirty="0">
                 <a:ea typeface="ＭＳ Ｐゴシック" pitchFamily="-106" charset="-128"/>
                 <a:cs typeface="ＭＳ Ｐゴシック" pitchFamily="-106" charset="-128"/>
               </a:rPr>
-              <a:t>: As an approach to acceptable risk (or acceptable environment emissions), best available technology refers to an approach that does not prescribe a specific technology but uses the best available technological alternative as yardstick for what is acceptable.</a:t>
+              <a:t>: Principle that state the activities (experiments, risks) are acceptable if people have free consented to them after being fully informed about the (potential) risk and benefits of these activities (experiments, risks).</a:t>
             </a:r>
           </a:p>
           <a:p>
@@ -21431,21 +21178,21 @@
               <a:buChar char="◼︎"/>
             </a:pPr>
             <a:r>
-              <a:rPr lang="en-US" b="1" dirty="0">
+              <a:rPr lang="en-US" sz="2000" b="1" dirty="0">
                 <a:solidFill>
                   <a:schemeClr val="accent1"/>
                 </a:solidFill>
                 <a:ea typeface="ＭＳ Ｐゴシック" pitchFamily="-106" charset="-128"/>
                 <a:cs typeface="ＭＳ Ｐゴシック" pitchFamily="-106" charset="-128"/>
               </a:rPr>
-              <a:t>Precautionary Principle</a:t>
-            </a:r>
-            <a:r>
-              <a:rPr lang="en-US" dirty="0">
+              <a:t>Risk-Cost-Benefit Analysis</a:t>
+            </a:r>
+            <a:r>
+              <a:rPr lang="en-US" sz="2000" dirty="0">
                 <a:ea typeface="ＭＳ Ｐゴシック" pitchFamily="-106" charset="-128"/>
                 <a:cs typeface="ＭＳ Ｐゴシック" pitchFamily="-106" charset="-128"/>
               </a:rPr>
-              <a:t>: Principle that prescribes how to deal with threats that are uncertain and/or cannot be scientifically established. In its most general form the precautionary principle has the following general format: If there is (1) a threat, which is (2) uncertain, then (3) some kind of action (4) is mandatory. This definition has four dimensions: (1) the threat dimension; (2) the uncertainty dimension; (3) the action dimension, and (4) the prescription dimension. </a:t>
+              <a:t>: This is a variant of regular cost-benefit analysis. The social costs for risks reduction are weighed against the social benefits offered by risk reduction, so achieving an optimal level of risk which the social benefits are highest.</a:t>
             </a:r>
           </a:p>
           <a:p>
@@ -21457,7 +21204,7 @@
               <a:buFont typeface=".AppleSDGothicNeoI-Regular" charset="-127"/>
               <a:buChar char="◼︎"/>
             </a:pPr>
-            <a:endParaRPr lang="en-US" dirty="0">
+            <a:endParaRPr lang="en-US" sz="2000" dirty="0">
               <a:ea typeface="ＭＳ Ｐゴシック" pitchFamily="-106" charset="-128"/>
               <a:cs typeface="ＭＳ Ｐゴシック" pitchFamily="-106" charset="-128"/>
             </a:endParaRPr>
@@ -21471,7 +21218,7 @@
               <a:buFont typeface=".AppleSDGothicNeoI-Regular" charset="-127"/>
               <a:buChar char="◼︎"/>
             </a:pPr>
-            <a:endParaRPr lang="en-US" dirty="0">
+            <a:endParaRPr lang="en-US" sz="2000" dirty="0">
               <a:ea typeface="ＭＳ Ｐゴシック" pitchFamily="-106" charset="-128"/>
               <a:cs typeface="ＭＳ Ｐゴシック" pitchFamily="-106" charset="-128"/>
             </a:endParaRPr>
@@ -21485,7 +21232,7 @@
               <a:buFont typeface=".AppleSDGothicNeoI-Regular" charset="-127"/>
               <a:buChar char="◼︎"/>
             </a:pPr>
-            <a:endParaRPr lang="en-US" dirty="0">
+            <a:endParaRPr lang="en-US" sz="2000" dirty="0">
               <a:ea typeface="ＭＳ Ｐゴシック" pitchFamily="-106" charset="-128"/>
               <a:cs typeface="ＭＳ Ｐゴシック" pitchFamily="-106" charset="-128"/>
             </a:endParaRPr>
@@ -21499,7 +21246,7 @@
               <a:buFont typeface=".AppleSDGothicNeoI-Regular" charset="-127"/>
               <a:buChar char="◼︎"/>
             </a:pPr>
-            <a:endParaRPr lang="en-US" dirty="0">
+            <a:endParaRPr lang="en-US" sz="2000" dirty="0">
               <a:ea typeface="ＭＳ Ｐゴシック" pitchFamily="-106" charset="-128"/>
               <a:cs typeface="ＭＳ Ｐゴシック" pitchFamily="-106" charset="-128"/>
             </a:endParaRPr>
@@ -21513,21 +21260,21 @@
               <a:buFont typeface=".AppleSDGothicNeoI-Regular" charset="-127"/>
               <a:buChar char="◼︎"/>
             </a:pPr>
-            <a:endParaRPr lang="en-US" dirty="0">
+            <a:endParaRPr lang="en-US" sz="2000" dirty="0">
               <a:ea typeface="ＭＳ Ｐゴシック" pitchFamily="-106" charset="-128"/>
               <a:cs typeface="ＭＳ Ｐゴシック" pitchFamily="-106" charset="-128"/>
             </a:endParaRPr>
           </a:p>
           <a:p>
             <a:pPr marL="0" indent="0"/>
-            <a:endParaRPr lang="en-US" dirty="0">
+            <a:endParaRPr lang="en-US" sz="2000" dirty="0">
               <a:ea typeface="ＭＳ Ｐゴシック" pitchFamily="-106" charset="-128"/>
               <a:cs typeface="ＭＳ Ｐゴシック" pitchFamily="-106" charset="-128"/>
             </a:endParaRPr>
           </a:p>
           <a:p>
             <a:pPr marL="0" indent="0"/>
-            <a:endParaRPr lang="de-DE" dirty="0">
+            <a:endParaRPr lang="de-DE" sz="2000" dirty="0">
               <a:ea typeface="ＭＳ Ｐゴシック" pitchFamily="-106" charset="-128"/>
               <a:cs typeface="ＭＳ Ｐゴシック" pitchFamily="-106" charset="-128"/>
             </a:endParaRPr>
@@ -21571,7 +21318,7 @@
         </p:nvSpPr>
         <p:spPr>
           <a:xfrm>
-            <a:off x="7286601" y="866997"/>
+            <a:off x="7300455" y="776923"/>
             <a:ext cx="2835007" cy="369332"/>
           </a:xfrm>
           <a:prstGeom prst="rect">
@@ -21586,7 +21333,7 @@
           <a:lstStyle/>
           <a:p>
             <a:r>
-              <a:rPr lang="en-GB">
+              <a:rPr lang="en-GB" dirty="0">
                 <a:latin typeface="Arial" pitchFamily="-112" charset="0"/>
                 <a:ea typeface="ＭＳ Ｐゴシック" pitchFamily="-112" charset="-128"/>
                 <a:cs typeface="ＭＳ Ｐゴシック" pitchFamily="-112" charset="-128"/>
@@ -21600,7 +21347,7 @@
     </p:spTree>
     <p:extLst>
       <p:ext uri="{BB962C8B-B14F-4D97-AF65-F5344CB8AC3E}">
-        <p14:creationId xmlns:p14="http://schemas.microsoft.com/office/powerpoint/2010/main" val="28277954"/>
+        <p14:creationId xmlns:p14="http://schemas.microsoft.com/office/powerpoint/2010/main" val="185562731"/>
       </p:ext>
     </p:extLst>
   </p:cSld>
@@ -21653,7 +21400,7 @@
                 <a:ea typeface="ＭＳ Ｐゴシック" pitchFamily="-106" charset="-128"/>
                 <a:cs typeface="ＭＳ Ｐゴシック" pitchFamily="-106" charset="-128"/>
               </a:rPr>
-              <a:t>Summary</a:t>
+              <a:t>When are Risks Acceptable?</a:t>
             </a:r>
             <a:endParaRPr lang="de-DE" sz="3200" b="1" dirty="0">
               <a:ea typeface="ＭＳ Ｐゴシック" pitchFamily="-106" charset="-128"/>
@@ -21674,13 +21421,13 @@
         </p:nvSpPr>
         <p:spPr>
           <a:xfrm>
-            <a:off x="478369" y="1213308"/>
-            <a:ext cx="11473384" cy="4176110"/>
+            <a:off x="526473" y="1329472"/>
+            <a:ext cx="9890703" cy="4751809"/>
           </a:xfrm>
         </p:spPr>
         <p:txBody>
           <a:bodyPr>
-            <a:normAutofit fontScale="92500"/>
+            <a:normAutofit/>
           </a:bodyPr>
           <a:lstStyle/>
           <a:p>
@@ -21693,28 +21440,21 @@
               <a:buChar char="◼︎"/>
             </a:pPr>
             <a:r>
+              <a:rPr lang="en-US" b="1" dirty="0">
+                <a:solidFill>
+                  <a:schemeClr val="accent1"/>
+                </a:solidFill>
+                <a:ea typeface="ＭＳ Ｐゴシック" pitchFamily="-106" charset="-128"/>
+                <a:cs typeface="ＭＳ Ｐゴシック" pitchFamily="-106" charset="-128"/>
+              </a:rPr>
+              <a:t>Best available technology</a:t>
+            </a:r>
+            <a:r>
               <a:rPr lang="en-US" dirty="0">
                 <a:ea typeface="ＭＳ Ｐゴシック" pitchFamily="-106" charset="-128"/>
                 <a:cs typeface="ＭＳ Ｐゴシック" pitchFamily="-106" charset="-128"/>
               </a:rPr>
-              <a:t>Disaster or major failures of engineered systems result in the question of </a:t>
-            </a:r>
-            <a:r>
-              <a:rPr lang="en-US" b="1" dirty="0">
-                <a:solidFill>
-                  <a:schemeClr val="accent1"/>
-                </a:solidFill>
-                <a:ea typeface="ＭＳ Ｐゴシック" pitchFamily="-106" charset="-128"/>
-                <a:cs typeface="ＭＳ Ｐゴシック" pitchFamily="-106" charset="-128"/>
-              </a:rPr>
-              <a:t>(moral) responsibility</a:t>
-            </a:r>
-            <a:r>
-              <a:rPr lang="en-US" dirty="0">
-                <a:ea typeface="ＭＳ Ｐゴシック" pitchFamily="-106" charset="-128"/>
-                <a:cs typeface="ＭＳ Ｐゴシック" pitchFamily="-106" charset="-128"/>
-              </a:rPr>
-              <a:t>.</a:t>
+              <a:t>: As an approach to acceptable risk (or acceptable environment emissions), best available technology refers to an approach that does not prescribe a specific technology but uses the best available technological alternative as yardstick for what is acceptable.</a:t>
             </a:r>
           </a:p>
           <a:p>
@@ -21734,14 +21474,14 @@
                 <a:ea typeface="ＭＳ Ｐゴシック" pitchFamily="-106" charset="-128"/>
                 <a:cs typeface="ＭＳ Ｐゴシック" pitchFamily="-106" charset="-128"/>
               </a:rPr>
-              <a:t>Normative Ethics</a:t>
+              <a:t>Precautionary Principle</a:t>
             </a:r>
             <a:r>
               <a:rPr lang="en-US" dirty="0">
                 <a:ea typeface="ＭＳ Ｐゴシック" pitchFamily="-106" charset="-128"/>
                 <a:cs typeface="ＭＳ Ｐゴシック" pitchFamily="-106" charset="-128"/>
               </a:rPr>
-              <a:t> tries to formulate normative recommendations about how to act or live, but no ethic theory is generally accepted and depending on the case the consequences, actions, nature of the acting person, or the group may all matter. </a:t>
+              <a:t>: Principle that prescribes how to deal with threats that are uncertain and/or cannot be scientifically established. In its most general form, the precautionary principle has the following general format: If there is (1) a threat, which is (2) uncertain, then (3) some kind of action (4) is mandatory. This definition has four dimensions: (1) the threat dimension; (2) the uncertainty dimension; (3) the action dimension, and (4) the prescription dimension. </a:t>
             </a:r>
           </a:p>
           <a:p>
@@ -21753,58 +21493,7 @@
               <a:buFont typeface=".AppleSDGothicNeoI-Regular" charset="-127"/>
               <a:buChar char="◼︎"/>
             </a:pPr>
-            <a:r>
-              <a:rPr lang="en-US" dirty="0">
-                <a:ea typeface="ＭＳ Ｐゴシック" pitchFamily="-106" charset="-128"/>
-                <a:cs typeface="ＭＳ Ｐゴシック" pitchFamily="-106" charset="-128"/>
-              </a:rPr>
-              <a:t>Therefore, it is suggested to use </a:t>
-            </a:r>
-            <a:r>
-              <a:rPr lang="en-US" b="1" dirty="0">
-                <a:solidFill>
-                  <a:schemeClr val="accent1"/>
-                </a:solidFill>
-                <a:ea typeface="ＭＳ Ｐゴシック" pitchFamily="-106" charset="-128"/>
-                <a:cs typeface="ＭＳ Ｐゴシック" pitchFamily="-106" charset="-128"/>
-              </a:rPr>
-              <a:t>normative argumentation </a:t>
-            </a:r>
-            <a:r>
-              <a:rPr lang="en-US" dirty="0">
-                <a:ea typeface="ＭＳ Ｐゴシック" pitchFamily="-106" charset="-128"/>
-                <a:cs typeface="ＭＳ Ｐゴシック" pitchFamily="-106" charset="-128"/>
-              </a:rPr>
-              <a:t>for specific moral problems and study possible actions rather than try to simply apply only </a:t>
-            </a:r>
-            <a:r>
-              <a:rPr lang="en-US" b="1" dirty="0">
-                <a:solidFill>
-                  <a:schemeClr val="accent1"/>
-                </a:solidFill>
-                <a:ea typeface="ＭＳ Ｐゴシック" pitchFamily="-106" charset="-128"/>
-                <a:cs typeface="ＭＳ Ｐゴシック" pitchFamily="-106" charset="-128"/>
-              </a:rPr>
-              <a:t>one</a:t>
-            </a:r>
-            <a:r>
-              <a:rPr lang="en-US" dirty="0">
-                <a:solidFill>
-                  <a:schemeClr val="accent1"/>
-                </a:solidFill>
-                <a:ea typeface="ＭＳ Ｐゴシック" pitchFamily="-106" charset="-128"/>
-                <a:cs typeface="ＭＳ Ｐゴシック" pitchFamily="-106" charset="-128"/>
-              </a:rPr>
-              <a:t> </a:t>
-            </a:r>
-            <a:r>
-              <a:rPr lang="en-US" dirty="0">
-                <a:ea typeface="ＭＳ Ｐゴシック" pitchFamily="-106" charset="-128"/>
-                <a:cs typeface="ＭＳ Ｐゴシック" pitchFamily="-106" charset="-128"/>
-              </a:rPr>
-              <a:t>specific ethic theory.</a:t>
-            </a:r>
-            <a:endParaRPr lang="en-US" i="1" dirty="0">
+            <a:endParaRPr lang="en-US" dirty="0">
               <a:ea typeface="ＭＳ Ｐゴシック" pitchFamily="-106" charset="-128"/>
               <a:cs typeface="ＭＳ Ｐゴシック" pitchFamily="-106" charset="-128"/>
             </a:endParaRPr>
@@ -21818,91 +21507,10 @@
               <a:buFont typeface=".AppleSDGothicNeoI-Regular" charset="-127"/>
               <a:buChar char="◼︎"/>
             </a:pPr>
-            <a:r>
-              <a:rPr lang="en-US" dirty="0">
-                <a:ea typeface="ＭＳ Ｐゴシック" pitchFamily="-106" charset="-128"/>
-                <a:cs typeface="ＭＳ Ｐゴシック" pitchFamily="-106" charset="-128"/>
-              </a:rPr>
-              <a:t>Normative argumentation can employ the </a:t>
-            </a:r>
-            <a:r>
-              <a:rPr lang="en-US" b="1" dirty="0">
-                <a:solidFill>
-                  <a:schemeClr val="accent1"/>
-                </a:solidFill>
-                <a:ea typeface="ＭＳ Ｐゴシック" pitchFamily="-106" charset="-128"/>
-                <a:cs typeface="ＭＳ Ｐゴシック" pitchFamily="-106" charset="-128"/>
-              </a:rPr>
-              <a:t>ethical cycle</a:t>
-            </a:r>
-            <a:r>
-              <a:rPr lang="en-US" dirty="0">
-                <a:ea typeface="ＭＳ Ｐゴシック" pitchFamily="-106" charset="-128"/>
-                <a:cs typeface="ＭＳ Ｐゴシック" pitchFamily="-106" charset="-128"/>
-              </a:rPr>
-              <a:t> and</a:t>
-            </a:r>
-            <a:r>
-              <a:rPr lang="en-US" b="1" dirty="0">
-                <a:solidFill>
-                  <a:schemeClr val="accent1"/>
-                </a:solidFill>
-                <a:ea typeface="ＭＳ Ｐゴシック" pitchFamily="-106" charset="-128"/>
-                <a:cs typeface="ＭＳ Ｐゴシック" pitchFamily="-106" charset="-128"/>
-              </a:rPr>
-              <a:t> valid</a:t>
-            </a:r>
-            <a:r>
-              <a:rPr lang="en-US" dirty="0">
-                <a:ea typeface="ＭＳ Ｐゴシック" pitchFamily="-106" charset="-128"/>
-                <a:cs typeface="ＭＳ Ｐゴシック" pitchFamily="-106" charset="-128"/>
-              </a:rPr>
-              <a:t> or </a:t>
-            </a:r>
-            <a:r>
-              <a:rPr lang="en-US" b="1" dirty="0">
-                <a:solidFill>
-                  <a:schemeClr val="accent1"/>
-                </a:solidFill>
-                <a:ea typeface="ＭＳ Ｐゴシック" pitchFamily="-106" charset="-128"/>
-                <a:cs typeface="ＭＳ Ｐゴシック" pitchFamily="-106" charset="-128"/>
-              </a:rPr>
-              <a:t>plausible</a:t>
-            </a:r>
-            <a:r>
-              <a:rPr lang="en-US" dirty="0">
-                <a:solidFill>
-                  <a:schemeClr val="accent1"/>
-                </a:solidFill>
-                <a:ea typeface="ＭＳ Ｐゴシック" pitchFamily="-106" charset="-128"/>
-                <a:cs typeface="ＭＳ Ｐゴシック" pitchFamily="-106" charset="-128"/>
-              </a:rPr>
-              <a:t> </a:t>
-            </a:r>
-            <a:r>
-              <a:rPr lang="en-US" dirty="0">
-                <a:ea typeface="ＭＳ Ｐゴシック" pitchFamily="-106" charset="-128"/>
-                <a:cs typeface="ＭＳ Ｐゴシック" pitchFamily="-106" charset="-128"/>
-              </a:rPr>
-              <a:t>arguments and has to uncover </a:t>
-            </a:r>
-            <a:r>
-              <a:rPr lang="en-US" b="1" dirty="0">
-                <a:solidFill>
-                  <a:schemeClr val="accent1"/>
-                </a:solidFill>
-                <a:ea typeface="ＭＳ Ｐゴシック" pitchFamily="-106" charset="-128"/>
-                <a:cs typeface="ＭＳ Ｐゴシック" pitchFamily="-106" charset="-128"/>
-              </a:rPr>
-              <a:t>fallacies</a:t>
-            </a:r>
-            <a:r>
-              <a:rPr lang="en-US" dirty="0">
-                <a:ea typeface="ＭＳ Ｐゴシック" pitchFamily="-106" charset="-128"/>
-                <a:cs typeface="ＭＳ Ｐゴシック" pitchFamily="-106" charset="-128"/>
-              </a:rPr>
-              <a:t>.</a:t>
-            </a:r>
+            <a:endParaRPr lang="en-US" dirty="0">
+              <a:ea typeface="ＭＳ Ｐゴシック" pitchFamily="-106" charset="-128"/>
+              <a:cs typeface="ＭＳ Ｐゴシック" pitchFamily="-106" charset="-128"/>
+            </a:endParaRPr>
           </a:p>
           <a:p>
             <a:pPr eaLnBrk="1" hangingPunct="1">
@@ -21913,30 +21521,38 @@
               <a:buFont typeface=".AppleSDGothicNeoI-Regular" charset="-127"/>
               <a:buChar char="◼︎"/>
             </a:pPr>
-            <a:r>
-              <a:rPr lang="en-US" dirty="0">
-                <a:ea typeface="ＭＳ Ｐゴシック" pitchFamily="-106" charset="-128"/>
-                <a:cs typeface="ＭＳ Ｐゴシック" pitchFamily="-106" charset="-128"/>
-              </a:rPr>
-              <a:t>Several methods allow to study related </a:t>
-            </a:r>
-            <a:r>
-              <a:rPr lang="en-US" b="1" dirty="0">
-                <a:solidFill>
-                  <a:schemeClr val="accent1"/>
-                </a:solidFill>
-                <a:ea typeface="ＭＳ Ｐゴシック" pitchFamily="-106" charset="-128"/>
-                <a:cs typeface="ＭＳ Ｐゴシック" pitchFamily="-106" charset="-128"/>
-              </a:rPr>
-              <a:t>value conflicts </a:t>
-            </a:r>
-            <a:r>
-              <a:rPr lang="en-US" dirty="0">
-                <a:ea typeface="ＭＳ Ｐゴシック" pitchFamily="-106" charset="-128"/>
-                <a:cs typeface="ＭＳ Ｐゴシック" pitchFamily="-106" charset="-128"/>
-              </a:rPr>
-              <a:t>including the related moral problems (in particular risk) also during design. </a:t>
-            </a:r>
+            <a:endParaRPr lang="en-US" dirty="0">
+              <a:ea typeface="ＭＳ Ｐゴシック" pitchFamily="-106" charset="-128"/>
+              <a:cs typeface="ＭＳ Ｐゴシック" pitchFamily="-106" charset="-128"/>
+            </a:endParaRPr>
+          </a:p>
+          <a:p>
+            <a:pPr eaLnBrk="1" hangingPunct="1">
+              <a:buClr>
+                <a:schemeClr val="accent1"/>
+              </a:buClr>
+              <a:buSzPct val="80000"/>
+              <a:buFont typeface=".AppleSDGothicNeoI-Regular" charset="-127"/>
+              <a:buChar char="◼︎"/>
+            </a:pPr>
+            <a:endParaRPr lang="en-US" dirty="0">
+              <a:ea typeface="ＭＳ Ｐゴシック" pitchFamily="-106" charset="-128"/>
+              <a:cs typeface="ＭＳ Ｐゴシック" pitchFamily="-106" charset="-128"/>
+            </a:endParaRPr>
+          </a:p>
+          <a:p>
+            <a:pPr eaLnBrk="1" hangingPunct="1">
+              <a:buClr>
+                <a:schemeClr val="accent1"/>
+              </a:buClr>
+              <a:buSzPct val="80000"/>
+              <a:buFont typeface=".AppleSDGothicNeoI-Regular" charset="-127"/>
+              <a:buChar char="◼︎"/>
+            </a:pPr>
+            <a:endParaRPr lang="en-US" dirty="0">
+              <a:ea typeface="ＭＳ Ｐゴシック" pitchFamily="-106" charset="-128"/>
+              <a:cs typeface="ＭＳ Ｐゴシック" pitchFamily="-106" charset="-128"/>
+            </a:endParaRPr>
           </a:p>
           <a:p>
             <a:pPr marL="0" indent="0"/>
@@ -21983,10 +21599,44 @@
           </a:p>
         </p:txBody>
       </p:sp>
+      <p:sp>
+        <p:nvSpPr>
+          <p:cNvPr id="6" name="TextBox 5"/>
+          <p:cNvSpPr txBox="1"/>
+          <p:nvPr/>
+        </p:nvSpPr>
+        <p:spPr>
+          <a:xfrm>
+            <a:off x="7286601" y="866997"/>
+            <a:ext cx="2835007" cy="369332"/>
+          </a:xfrm>
+          <a:prstGeom prst="rect">
+            <a:avLst/>
+          </a:prstGeom>
+          <a:noFill/>
+        </p:spPr>
+        <p:txBody>
+          <a:bodyPr wrap="none" rtlCol="0">
+            <a:spAutoFit/>
+          </a:bodyPr>
+          <a:lstStyle/>
+          <a:p>
+            <a:r>
+              <a:rPr lang="en-GB">
+                <a:latin typeface="Arial" pitchFamily="-112" charset="0"/>
+                <a:ea typeface="ＭＳ Ｐゴシック" pitchFamily="-112" charset="-128"/>
+                <a:cs typeface="ＭＳ Ｐゴシック" pitchFamily="-112" charset="-128"/>
+              </a:rPr>
+              <a:t>[dePoel&amp;Royakkers2011] </a:t>
+            </a:r>
+            <a:endParaRPr lang="en-US" dirty="0"/>
+          </a:p>
+        </p:txBody>
+      </p:sp>
     </p:spTree>
     <p:extLst>
       <p:ext uri="{BB962C8B-B14F-4D97-AF65-F5344CB8AC3E}">
-        <p14:creationId xmlns:p14="http://schemas.microsoft.com/office/powerpoint/2010/main" val="1619683934"/>
+        <p14:creationId xmlns:p14="http://schemas.microsoft.com/office/powerpoint/2010/main" val="28277954"/>
       </p:ext>
     </p:extLst>
   </p:cSld>
@@ -22015,43 +21665,44 @@
       </p:grpSpPr>
       <p:sp>
         <p:nvSpPr>
-          <p:cNvPr id="2" name="Title 1">
-            <a:extLst>
-              <a:ext uri="{FF2B5EF4-FFF2-40B4-BE49-F238E27FC236}">
-                <a16:creationId xmlns:a16="http://schemas.microsoft.com/office/drawing/2014/main" id="{00A2BFD1-9201-498A-82E2-234A5B43787B}"/>
-              </a:ext>
-            </a:extLst>
-          </p:cNvPr>
-          <p:cNvSpPr>
-            <a:spLocks noGrp="1"/>
+          <p:cNvPr id="32772" name="Rectangle 2"/>
+          <p:cNvSpPr>
+            <a:spLocks noGrp="1" noChangeArrowheads="1"/>
           </p:cNvSpPr>
           <p:nvPr>
             <p:ph type="title"/>
           </p:nvPr>
         </p:nvSpPr>
-        <p:spPr/>
+        <p:spPr>
+          <a:xfrm>
+            <a:off x="478369" y="144001"/>
+            <a:ext cx="9169401" cy="637849"/>
+          </a:xfrm>
+        </p:spPr>
         <p:txBody>
           <a:bodyPr/>
           <a:lstStyle/>
           <a:p>
-            <a:r>
-              <a:rPr lang="en-US" dirty="0"/>
-              <a:t>Tasks</a:t>
-            </a:r>
-          </a:p>
-        </p:txBody>
-      </p:sp>
-      <p:sp>
-        <p:nvSpPr>
-          <p:cNvPr id="3" name="Content Placeholder 2">
-            <a:extLst>
-              <a:ext uri="{FF2B5EF4-FFF2-40B4-BE49-F238E27FC236}">
-                <a16:creationId xmlns:a16="http://schemas.microsoft.com/office/drawing/2014/main" id="{9CAAFD53-60A2-42DA-B71D-2AC96354B727}"/>
-              </a:ext>
-            </a:extLst>
-          </p:cNvPr>
-          <p:cNvSpPr>
-            <a:spLocks noGrp="1"/>
+            <a:pPr eaLnBrk="1" hangingPunct="1"/>
+            <a:r>
+              <a:rPr lang="en-US" sz="3200" b="1" dirty="0">
+                <a:ea typeface="ＭＳ Ｐゴシック" pitchFamily="-106" charset="-128"/>
+                <a:cs typeface="ＭＳ Ｐゴシック" pitchFamily="-106" charset="-128"/>
+              </a:rPr>
+              <a:t>Summary</a:t>
+            </a:r>
+            <a:endParaRPr lang="de-DE" sz="3200" b="1" dirty="0">
+              <a:ea typeface="ＭＳ Ｐゴシック" pitchFamily="-106" charset="-128"/>
+              <a:cs typeface="ＭＳ Ｐゴシック" pitchFamily="-106" charset="-128"/>
+            </a:endParaRPr>
+          </a:p>
+        </p:txBody>
+      </p:sp>
+      <p:sp>
+        <p:nvSpPr>
+          <p:cNvPr id="32773" name="Rectangle 3"/>
+          <p:cNvSpPr>
+            <a:spLocks noGrp="1" noChangeArrowheads="1"/>
           </p:cNvSpPr>
           <p:nvPr>
             <p:ph idx="1"/>
@@ -22060,74 +21711,318 @@
         <p:spPr>
           <a:xfrm>
             <a:off x="478369" y="1213308"/>
-            <a:ext cx="11473384" cy="2553520"/>
+            <a:ext cx="11473384" cy="4176110"/>
           </a:xfrm>
         </p:spPr>
         <p:txBody>
+          <a:bodyPr>
+            <a:normAutofit fontScale="92500"/>
+          </a:bodyPr>
+          <a:lstStyle/>
+          <a:p>
+            <a:pPr eaLnBrk="1" hangingPunct="1">
+              <a:buClr>
+                <a:schemeClr val="accent1"/>
+              </a:buClr>
+              <a:buSzPct val="80000"/>
+              <a:buFont typeface=".AppleSDGothicNeoI-Regular" charset="-127"/>
+              <a:buChar char="◼︎"/>
+            </a:pPr>
+            <a:r>
+              <a:rPr lang="en-US" dirty="0">
+                <a:ea typeface="ＭＳ Ｐゴシック" pitchFamily="-106" charset="-128"/>
+                <a:cs typeface="ＭＳ Ｐゴシック" pitchFamily="-106" charset="-128"/>
+              </a:rPr>
+              <a:t>Disaster or major failures of engineered systems result in the question of </a:t>
+            </a:r>
+            <a:r>
+              <a:rPr lang="en-US" b="1" dirty="0">
+                <a:solidFill>
+                  <a:schemeClr val="accent1"/>
+                </a:solidFill>
+                <a:ea typeface="ＭＳ Ｐゴシック" pitchFamily="-106" charset="-128"/>
+                <a:cs typeface="ＭＳ Ｐゴシック" pitchFamily="-106" charset="-128"/>
+              </a:rPr>
+              <a:t>(moral) responsibility</a:t>
+            </a:r>
+            <a:r>
+              <a:rPr lang="en-US" dirty="0">
+                <a:ea typeface="ＭＳ Ｐゴシック" pitchFamily="-106" charset="-128"/>
+                <a:cs typeface="ＭＳ Ｐゴシック" pitchFamily="-106" charset="-128"/>
+              </a:rPr>
+              <a:t>.</a:t>
+            </a:r>
+          </a:p>
+          <a:p>
+            <a:pPr eaLnBrk="1" hangingPunct="1">
+              <a:buClr>
+                <a:schemeClr val="accent1"/>
+              </a:buClr>
+              <a:buSzPct val="80000"/>
+              <a:buFont typeface=".AppleSDGothicNeoI-Regular" charset="-127"/>
+              <a:buChar char="◼︎"/>
+            </a:pPr>
+            <a:r>
+              <a:rPr lang="en-US" b="1" dirty="0">
+                <a:solidFill>
+                  <a:schemeClr val="accent1"/>
+                </a:solidFill>
+                <a:ea typeface="ＭＳ Ｐゴシック" pitchFamily="-106" charset="-128"/>
+                <a:cs typeface="ＭＳ Ｐゴシック" pitchFamily="-106" charset="-128"/>
+              </a:rPr>
+              <a:t>Normative Ethics</a:t>
+            </a:r>
+            <a:r>
+              <a:rPr lang="en-US" dirty="0">
+                <a:ea typeface="ＭＳ Ｐゴシック" pitchFamily="-106" charset="-128"/>
+                <a:cs typeface="ＭＳ Ｐゴシック" pitchFamily="-106" charset="-128"/>
+              </a:rPr>
+              <a:t> tries to formulate normative recommendations about how to act or live, but no ethic theory is generally accepted and depending on the case the consequences, actions, nature of the acting person, or the group may all matter. </a:t>
+            </a:r>
+          </a:p>
+          <a:p>
+            <a:pPr eaLnBrk="1" hangingPunct="1">
+              <a:buClr>
+                <a:schemeClr val="accent1"/>
+              </a:buClr>
+              <a:buSzPct val="80000"/>
+              <a:buFont typeface=".AppleSDGothicNeoI-Regular" charset="-127"/>
+              <a:buChar char="◼︎"/>
+            </a:pPr>
+            <a:r>
+              <a:rPr lang="en-US" dirty="0">
+                <a:ea typeface="ＭＳ Ｐゴシック" pitchFamily="-106" charset="-128"/>
+                <a:cs typeface="ＭＳ Ｐゴシック" pitchFamily="-106" charset="-128"/>
+              </a:rPr>
+              <a:t>Therefore, it is suggested to use </a:t>
+            </a:r>
+            <a:r>
+              <a:rPr lang="en-US" b="1" dirty="0">
+                <a:solidFill>
+                  <a:schemeClr val="accent1"/>
+                </a:solidFill>
+                <a:ea typeface="ＭＳ Ｐゴシック" pitchFamily="-106" charset="-128"/>
+                <a:cs typeface="ＭＳ Ｐゴシック" pitchFamily="-106" charset="-128"/>
+              </a:rPr>
+              <a:t>normative argumentation </a:t>
+            </a:r>
+            <a:r>
+              <a:rPr lang="en-US" dirty="0">
+                <a:ea typeface="ＭＳ Ｐゴシック" pitchFamily="-106" charset="-128"/>
+                <a:cs typeface="ＭＳ Ｐゴシック" pitchFamily="-106" charset="-128"/>
+              </a:rPr>
+              <a:t>for specific moral problems and study possible actions rather than try to simply apply only </a:t>
+            </a:r>
+            <a:r>
+              <a:rPr lang="en-US" b="1" dirty="0">
+                <a:solidFill>
+                  <a:schemeClr val="accent1"/>
+                </a:solidFill>
+                <a:ea typeface="ＭＳ Ｐゴシック" pitchFamily="-106" charset="-128"/>
+                <a:cs typeface="ＭＳ Ｐゴシック" pitchFamily="-106" charset="-128"/>
+              </a:rPr>
+              <a:t>one</a:t>
+            </a:r>
+            <a:r>
+              <a:rPr lang="en-US" dirty="0">
+                <a:solidFill>
+                  <a:schemeClr val="accent1"/>
+                </a:solidFill>
+                <a:ea typeface="ＭＳ Ｐゴシック" pitchFamily="-106" charset="-128"/>
+                <a:cs typeface="ＭＳ Ｐゴシック" pitchFamily="-106" charset="-128"/>
+              </a:rPr>
+              <a:t> </a:t>
+            </a:r>
+            <a:r>
+              <a:rPr lang="en-US" dirty="0">
+                <a:ea typeface="ＭＳ Ｐゴシック" pitchFamily="-106" charset="-128"/>
+                <a:cs typeface="ＭＳ Ｐゴシック" pitchFamily="-106" charset="-128"/>
+              </a:rPr>
+              <a:t>specific ethic theory.</a:t>
+            </a:r>
+            <a:endParaRPr lang="en-US" i="1" dirty="0">
+              <a:ea typeface="ＭＳ Ｐゴシック" pitchFamily="-106" charset="-128"/>
+              <a:cs typeface="ＭＳ Ｐゴシック" pitchFamily="-106" charset="-128"/>
+            </a:endParaRPr>
+          </a:p>
+          <a:p>
+            <a:pPr eaLnBrk="1" hangingPunct="1">
+              <a:buClr>
+                <a:schemeClr val="accent1"/>
+              </a:buClr>
+              <a:buSzPct val="80000"/>
+              <a:buFont typeface=".AppleSDGothicNeoI-Regular" charset="-127"/>
+              <a:buChar char="◼︎"/>
+            </a:pPr>
+            <a:r>
+              <a:rPr lang="en-US" dirty="0">
+                <a:ea typeface="ＭＳ Ｐゴシック" pitchFamily="-106" charset="-128"/>
+                <a:cs typeface="ＭＳ Ｐゴシック" pitchFamily="-106" charset="-128"/>
+              </a:rPr>
+              <a:t>Normative argumentation can employ the </a:t>
+            </a:r>
+            <a:r>
+              <a:rPr lang="en-US" b="1" dirty="0">
+                <a:solidFill>
+                  <a:schemeClr val="accent1"/>
+                </a:solidFill>
+                <a:ea typeface="ＭＳ Ｐゴシック" pitchFamily="-106" charset="-128"/>
+                <a:cs typeface="ＭＳ Ｐゴシック" pitchFamily="-106" charset="-128"/>
+              </a:rPr>
+              <a:t>ethical cycle</a:t>
+            </a:r>
+            <a:r>
+              <a:rPr lang="en-US" dirty="0">
+                <a:ea typeface="ＭＳ Ｐゴシック" pitchFamily="-106" charset="-128"/>
+                <a:cs typeface="ＭＳ Ｐゴシック" pitchFamily="-106" charset="-128"/>
+              </a:rPr>
+              <a:t> and</a:t>
+            </a:r>
+            <a:r>
+              <a:rPr lang="en-US" b="1" dirty="0">
+                <a:solidFill>
+                  <a:schemeClr val="accent1"/>
+                </a:solidFill>
+                <a:ea typeface="ＭＳ Ｐゴシック" pitchFamily="-106" charset="-128"/>
+                <a:cs typeface="ＭＳ Ｐゴシック" pitchFamily="-106" charset="-128"/>
+              </a:rPr>
+              <a:t> valid</a:t>
+            </a:r>
+            <a:r>
+              <a:rPr lang="en-US" dirty="0">
+                <a:ea typeface="ＭＳ Ｐゴシック" pitchFamily="-106" charset="-128"/>
+                <a:cs typeface="ＭＳ Ｐゴシック" pitchFamily="-106" charset="-128"/>
+              </a:rPr>
+              <a:t> or </a:t>
+            </a:r>
+            <a:r>
+              <a:rPr lang="en-US" b="1" dirty="0">
+                <a:solidFill>
+                  <a:schemeClr val="accent1"/>
+                </a:solidFill>
+                <a:ea typeface="ＭＳ Ｐゴシック" pitchFamily="-106" charset="-128"/>
+                <a:cs typeface="ＭＳ Ｐゴシック" pitchFamily="-106" charset="-128"/>
+              </a:rPr>
+              <a:t>plausible</a:t>
+            </a:r>
+            <a:r>
+              <a:rPr lang="en-US" dirty="0">
+                <a:solidFill>
+                  <a:schemeClr val="accent1"/>
+                </a:solidFill>
+                <a:ea typeface="ＭＳ Ｐゴシック" pitchFamily="-106" charset="-128"/>
+                <a:cs typeface="ＭＳ Ｐゴシック" pitchFamily="-106" charset="-128"/>
+              </a:rPr>
+              <a:t> </a:t>
+            </a:r>
+            <a:r>
+              <a:rPr lang="en-US" dirty="0">
+                <a:ea typeface="ＭＳ Ｐゴシック" pitchFamily="-106" charset="-128"/>
+                <a:cs typeface="ＭＳ Ｐゴシック" pitchFamily="-106" charset="-128"/>
+              </a:rPr>
+              <a:t>arguments and has to uncover </a:t>
+            </a:r>
+            <a:r>
+              <a:rPr lang="en-US" b="1" dirty="0">
+                <a:solidFill>
+                  <a:schemeClr val="accent1"/>
+                </a:solidFill>
+                <a:ea typeface="ＭＳ Ｐゴシック" pitchFamily="-106" charset="-128"/>
+                <a:cs typeface="ＭＳ Ｐゴシック" pitchFamily="-106" charset="-128"/>
+              </a:rPr>
+              <a:t>fallacies</a:t>
+            </a:r>
+            <a:r>
+              <a:rPr lang="en-US" dirty="0">
+                <a:ea typeface="ＭＳ Ｐゴシック" pitchFamily="-106" charset="-128"/>
+                <a:cs typeface="ＭＳ Ｐゴシック" pitchFamily="-106" charset="-128"/>
+              </a:rPr>
+              <a:t>.</a:t>
+            </a:r>
+          </a:p>
+          <a:p>
+            <a:pPr eaLnBrk="1" hangingPunct="1">
+              <a:buClr>
+                <a:schemeClr val="accent1"/>
+              </a:buClr>
+              <a:buSzPct val="80000"/>
+              <a:buFont typeface=".AppleSDGothicNeoI-Regular" charset="-127"/>
+              <a:buChar char="◼︎"/>
+            </a:pPr>
+            <a:r>
+              <a:rPr lang="en-US" dirty="0">
+                <a:ea typeface="ＭＳ Ｐゴシック" pitchFamily="-106" charset="-128"/>
+                <a:cs typeface="ＭＳ Ｐゴシック" pitchFamily="-106" charset="-128"/>
+              </a:rPr>
+              <a:t>Several methods allow to study related </a:t>
+            </a:r>
+            <a:r>
+              <a:rPr lang="en-US" b="1" dirty="0">
+                <a:solidFill>
+                  <a:schemeClr val="accent1"/>
+                </a:solidFill>
+                <a:ea typeface="ＭＳ Ｐゴシック" pitchFamily="-106" charset="-128"/>
+                <a:cs typeface="ＭＳ Ｐゴシック" pitchFamily="-106" charset="-128"/>
+              </a:rPr>
+              <a:t>value conflicts </a:t>
+            </a:r>
+            <a:r>
+              <a:rPr lang="en-US" dirty="0">
+                <a:ea typeface="ＭＳ Ｐゴシック" pitchFamily="-106" charset="-128"/>
+                <a:cs typeface="ＭＳ Ｐゴシック" pitchFamily="-106" charset="-128"/>
+              </a:rPr>
+              <a:t>including the related moral problems (in particular risk) also during design. </a:t>
+            </a:r>
+          </a:p>
+          <a:p>
+            <a:pPr marL="0" indent="0"/>
+            <a:endParaRPr lang="en-US" dirty="0">
+              <a:ea typeface="ＭＳ Ｐゴシック" pitchFamily="-106" charset="-128"/>
+              <a:cs typeface="ＭＳ Ｐゴシック" pitchFamily="-106" charset="-128"/>
+            </a:endParaRPr>
+          </a:p>
+          <a:p>
+            <a:pPr marL="0" indent="0"/>
+            <a:endParaRPr lang="de-DE" dirty="0">
+              <a:ea typeface="ＭＳ Ｐゴシック" pitchFamily="-106" charset="-128"/>
+              <a:cs typeface="ＭＳ Ｐゴシック" pitchFamily="-106" charset="-128"/>
+            </a:endParaRPr>
+          </a:p>
+        </p:txBody>
+      </p:sp>
+      <p:sp>
+        <p:nvSpPr>
+          <p:cNvPr id="5" name="Slide Number Placeholder 4"/>
+          <p:cNvSpPr>
+            <a:spLocks noGrp="1"/>
+          </p:cNvSpPr>
+          <p:nvPr>
+            <p:ph type="sldNum" sz="quarter" idx="12"/>
+          </p:nvPr>
+        </p:nvSpPr>
+        <p:spPr/>
+        <p:txBody>
           <a:bodyPr/>
           <a:lstStyle/>
           <a:p>
-            <a:pPr marL="342900" indent="-342900">
-              <a:buFont typeface="Arial" panose="020B0604020202020204" pitchFamily="34" charset="0"/>
-              <a:buChar char="•"/>
+            <a:pPr>
+              <a:defRPr/>
             </a:pPr>
-            <a:r>
-              <a:rPr lang="en-US" dirty="0"/>
-              <a:t>Think about how to express the ethical dilemmas in projects into a set of arguments.</a:t>
-            </a:r>
-          </a:p>
-          <a:p>
-            <a:pPr marL="584194" lvl="1" indent="-342900">
-              <a:buFont typeface="Arial" panose="020B0604020202020204" pitchFamily="34" charset="0"/>
-              <a:buChar char="•"/>
-            </a:pPr>
-            <a:r>
-              <a:rPr lang="en-US" dirty="0"/>
-              <a:t>Identify valid argumentations</a:t>
-            </a:r>
-          </a:p>
-          <a:p>
-            <a:pPr marL="584194" lvl="1" indent="-342900">
-              <a:buFont typeface="Arial" panose="020B0604020202020204" pitchFamily="34" charset="0"/>
-              <a:buChar char="•"/>
-            </a:pPr>
-            <a:r>
-              <a:rPr lang="en-US" dirty="0"/>
-              <a:t>identify argumentations with possible fallacies</a:t>
-            </a:r>
-          </a:p>
-          <a:p>
-            <a:pPr lvl="1" indent="0">
-              <a:buNone/>
-            </a:pPr>
-            <a:endParaRPr lang="en-US" dirty="0"/>
-          </a:p>
-          <a:p>
-            <a:pPr marL="342900" indent="-342900">
-              <a:buFont typeface="Arial" panose="020B0604020202020204" pitchFamily="34" charset="0"/>
-              <a:buChar char="•"/>
-            </a:pPr>
-            <a:r>
-              <a:rPr lang="en-US" dirty="0"/>
-              <a:t>List the risks involved in your scenario</a:t>
-            </a:r>
-          </a:p>
-          <a:p>
-            <a:pPr marL="584194" lvl="1" indent="-342900">
-              <a:buFont typeface="Arial" panose="020B0604020202020204" pitchFamily="34" charset="0"/>
-              <a:buChar char="•"/>
-            </a:pPr>
-            <a:r>
-              <a:rPr lang="en-US" dirty="0"/>
-              <a:t>Discuss briefly how to tackle the risks (choose two methods)</a:t>
-            </a:r>
+            <a:fld id="{0DF685E1-000B-FF46-B3AC-A509A8EDE44A}" type="slidenum">
+              <a:rPr lang="de-DE" smtClean="0"/>
+              <a:pPr>
+                <a:defRPr/>
+              </a:pPr>
+              <a:t>29</a:t>
+            </a:fld>
+            <a:endParaRPr lang="de-DE"/>
           </a:p>
         </p:txBody>
       </p:sp>
     </p:spTree>
     <p:extLst>
       <p:ext uri="{BB962C8B-B14F-4D97-AF65-F5344CB8AC3E}">
-        <p14:creationId xmlns:p14="http://schemas.microsoft.com/office/powerpoint/2010/main" val="461775922"/>
+        <p14:creationId xmlns:p14="http://schemas.microsoft.com/office/powerpoint/2010/main" val="1619683934"/>
       </p:ext>
     </p:extLst>
   </p:cSld>
@@ -22565,6 +22460,293 @@
 </file>
 
 <file path=ppt/slides/slide30.xml><?xml version="1.0" encoding="utf-8"?>
+<p:sld xmlns:a="http://schemas.openxmlformats.org/drawingml/2006/main" xmlns:r="http://schemas.openxmlformats.org/officeDocument/2006/relationships" xmlns:p="http://schemas.openxmlformats.org/presentationml/2006/main">
+  <p:cSld>
+    <p:spTree>
+      <p:nvGrpSpPr>
+        <p:cNvPr id="1" name=""/>
+        <p:cNvGrpSpPr/>
+        <p:nvPr/>
+      </p:nvGrpSpPr>
+      <p:grpSpPr>
+        <a:xfrm>
+          <a:off x="0" y="0"/>
+          <a:ext cx="0" cy="0"/>
+          <a:chOff x="0" y="0"/>
+          <a:chExt cx="0" cy="0"/>
+        </a:xfrm>
+      </p:grpSpPr>
+      <p:sp>
+        <p:nvSpPr>
+          <p:cNvPr id="2" name="Title 1">
+            <a:extLst>
+              <a:ext uri="{FF2B5EF4-FFF2-40B4-BE49-F238E27FC236}">
+                <a16:creationId xmlns:a16="http://schemas.microsoft.com/office/drawing/2014/main" id="{00A2BFD1-9201-498A-82E2-234A5B43787B}"/>
+              </a:ext>
+            </a:extLst>
+          </p:cNvPr>
+          <p:cNvSpPr>
+            <a:spLocks noGrp="1"/>
+          </p:cNvSpPr>
+          <p:nvPr>
+            <p:ph type="title"/>
+          </p:nvPr>
+        </p:nvSpPr>
+        <p:spPr/>
+        <p:txBody>
+          <a:bodyPr/>
+          <a:lstStyle/>
+          <a:p>
+            <a:r>
+              <a:rPr lang="en-US" dirty="0"/>
+              <a:t>Assignment-5</a:t>
+            </a:r>
+          </a:p>
+        </p:txBody>
+      </p:sp>
+      <p:sp>
+        <p:nvSpPr>
+          <p:cNvPr id="3" name="Content Placeholder 2">
+            <a:extLst>
+              <a:ext uri="{FF2B5EF4-FFF2-40B4-BE49-F238E27FC236}">
+                <a16:creationId xmlns:a16="http://schemas.microsoft.com/office/drawing/2014/main" id="{9CAAFD53-60A2-42DA-B71D-2AC96354B727}"/>
+              </a:ext>
+            </a:extLst>
+          </p:cNvPr>
+          <p:cNvSpPr>
+            <a:spLocks noGrp="1"/>
+          </p:cNvSpPr>
+          <p:nvPr>
+            <p:ph idx="1"/>
+          </p:nvPr>
+        </p:nvSpPr>
+        <p:spPr>
+          <a:xfrm>
+            <a:off x="478369" y="1213308"/>
+            <a:ext cx="11473384" cy="1655838"/>
+          </a:xfrm>
+        </p:spPr>
+        <p:txBody>
+          <a:bodyPr/>
+          <a:lstStyle/>
+          <a:p>
+            <a:pPr marL="342900" indent="-342900">
+              <a:buFont typeface="Arial" panose="020B0604020202020204" pitchFamily="34" charset="0"/>
+              <a:buChar char="•"/>
+            </a:pPr>
+            <a:r>
+              <a:rPr lang="en-US" dirty="0"/>
+              <a:t>Think about how to express the ethical dilemmas in projects into a set of arguments.</a:t>
+            </a:r>
+          </a:p>
+          <a:p>
+            <a:pPr marL="584194" lvl="1" indent="-342900">
+              <a:buFont typeface="Arial" panose="020B0604020202020204" pitchFamily="34" charset="0"/>
+              <a:buChar char="•"/>
+            </a:pPr>
+            <a:r>
+              <a:rPr lang="en-US" dirty="0"/>
+              <a:t>Identify at least three valid argumentations</a:t>
+            </a:r>
+          </a:p>
+          <a:p>
+            <a:pPr marL="584194" lvl="1" indent="-342900">
+              <a:buFont typeface="Arial" panose="020B0604020202020204" pitchFamily="34" charset="0"/>
+              <a:buChar char="•"/>
+            </a:pPr>
+            <a:r>
+              <a:rPr lang="en-US" dirty="0"/>
+              <a:t>identify at least two argumentations with possible fallacies</a:t>
+            </a:r>
+          </a:p>
+          <a:p>
+            <a:pPr lvl="1" indent="0">
+              <a:buNone/>
+            </a:pPr>
+            <a:endParaRPr lang="en-US" dirty="0"/>
+          </a:p>
+        </p:txBody>
+      </p:sp>
+    </p:spTree>
+    <p:extLst>
+      <p:ext uri="{BB962C8B-B14F-4D97-AF65-F5344CB8AC3E}">
+        <p14:creationId xmlns:p14="http://schemas.microsoft.com/office/powerpoint/2010/main" val="461775922"/>
+      </p:ext>
+    </p:extLst>
+  </p:cSld>
+  <p:clrMapOvr>
+    <a:masterClrMapping/>
+  </p:clrMapOvr>
+</p:sld>
+</file>
+
+<file path=ppt/slides/slide31.xml><?xml version="1.0" encoding="utf-8"?>
+<p:sld xmlns:a="http://schemas.openxmlformats.org/drawingml/2006/main" xmlns:r="http://schemas.openxmlformats.org/officeDocument/2006/relationships" xmlns:p="http://schemas.openxmlformats.org/presentationml/2006/main">
+  <p:cSld>
+    <p:spTree>
+      <p:nvGrpSpPr>
+        <p:cNvPr id="1" name=""/>
+        <p:cNvGrpSpPr/>
+        <p:nvPr/>
+      </p:nvGrpSpPr>
+      <p:grpSpPr>
+        <a:xfrm>
+          <a:off x="0" y="0"/>
+          <a:ext cx="0" cy="0"/>
+          <a:chOff x="0" y="0"/>
+          <a:chExt cx="0" cy="0"/>
+        </a:xfrm>
+      </p:grpSpPr>
+      <p:sp>
+        <p:nvSpPr>
+          <p:cNvPr id="2" name="Title 1">
+            <a:extLst>
+              <a:ext uri="{FF2B5EF4-FFF2-40B4-BE49-F238E27FC236}">
+                <a16:creationId xmlns:a16="http://schemas.microsoft.com/office/drawing/2014/main" id="{00A2BFD1-9201-498A-82E2-234A5B43787B}"/>
+              </a:ext>
+            </a:extLst>
+          </p:cNvPr>
+          <p:cNvSpPr>
+            <a:spLocks noGrp="1"/>
+          </p:cNvSpPr>
+          <p:nvPr>
+            <p:ph type="title"/>
+          </p:nvPr>
+        </p:nvSpPr>
+        <p:spPr/>
+        <p:txBody>
+          <a:bodyPr/>
+          <a:lstStyle/>
+          <a:p>
+            <a:r>
+              <a:rPr lang="en-US" dirty="0"/>
+              <a:t>Assignment-6 (May 23)</a:t>
+            </a:r>
+          </a:p>
+        </p:txBody>
+      </p:sp>
+      <p:sp>
+        <p:nvSpPr>
+          <p:cNvPr id="3" name="Content Placeholder 2">
+            <a:extLst>
+              <a:ext uri="{FF2B5EF4-FFF2-40B4-BE49-F238E27FC236}">
+                <a16:creationId xmlns:a16="http://schemas.microsoft.com/office/drawing/2014/main" id="{9CAAFD53-60A2-42DA-B71D-2AC96354B727}"/>
+              </a:ext>
+            </a:extLst>
+          </p:cNvPr>
+          <p:cNvSpPr>
+            <a:spLocks noGrp="1"/>
+          </p:cNvSpPr>
+          <p:nvPr>
+            <p:ph idx="1"/>
+          </p:nvPr>
+        </p:nvSpPr>
+        <p:spPr>
+          <a:xfrm>
+            <a:off x="478369" y="1213308"/>
+            <a:ext cx="11473384" cy="5182444"/>
+          </a:xfrm>
+        </p:spPr>
+        <p:txBody>
+          <a:bodyPr/>
+          <a:lstStyle/>
+          <a:p>
+            <a:pPr lvl="1" indent="0">
+              <a:buNone/>
+            </a:pPr>
+            <a:r>
+              <a:rPr lang="en-US" dirty="0"/>
+              <a:t>Use the normative arguments as input for you to apply the ethical cycle (slides 19-21) to refine the corresponding ethical dilemmas.</a:t>
+            </a:r>
+          </a:p>
+          <a:p>
+            <a:pPr lvl="1" indent="0">
+              <a:buNone/>
+            </a:pPr>
+            <a:endParaRPr lang="en-US" dirty="0"/>
+          </a:p>
+          <a:p>
+            <a:pPr lvl="1" indent="0">
+              <a:buNone/>
+            </a:pPr>
+            <a:r>
+              <a:rPr lang="en-US" b="1" dirty="0"/>
+              <a:t>Outcome-1:</a:t>
+            </a:r>
+            <a:r>
+              <a:rPr lang="en-US" dirty="0"/>
+              <a:t> Demonstrate that you applied the cycle. please briefly describe the main refinement steps that the cycle allowed you to do.</a:t>
+            </a:r>
+          </a:p>
+          <a:p>
+            <a:pPr lvl="1" indent="0">
+              <a:buNone/>
+            </a:pPr>
+            <a:r>
+              <a:rPr lang="en-US" b="1" dirty="0"/>
+              <a:t>Outcome-2: </a:t>
+            </a:r>
+            <a:r>
+              <a:rPr lang="en-US" dirty="0"/>
+              <a:t>Specify the risks and their mitigations</a:t>
+            </a:r>
+          </a:p>
+          <a:p>
+            <a:pPr marL="698494" lvl="1" indent="-457200">
+              <a:buFont typeface="+mj-lt"/>
+              <a:buAutoNum type="arabicPeriod"/>
+            </a:pPr>
+            <a:r>
+              <a:rPr lang="en-US" dirty="0"/>
+              <a:t>List the ethical risks: source, probability of happening (low, medium, high) and impact (low, medium, high)</a:t>
+            </a:r>
+          </a:p>
+          <a:p>
+            <a:pPr marL="698494" lvl="1" indent="-457200">
+              <a:buFont typeface="+mj-lt"/>
+              <a:buAutoNum type="arabicPeriod"/>
+            </a:pPr>
+            <a:r>
+              <a:rPr lang="en-US" dirty="0"/>
+              <a:t>Identify at least two value conflicts and value trumping related to one or more of these risks</a:t>
+            </a:r>
+          </a:p>
+          <a:p>
+            <a:pPr marL="698494" lvl="1" indent="-457200">
+              <a:buFont typeface="+mj-lt"/>
+              <a:buAutoNum type="arabicPeriod"/>
+            </a:pPr>
+            <a:r>
+              <a:rPr lang="en-US" dirty="0"/>
+              <a:t>Apply at least two methods for value conflict resolution (slide-26)</a:t>
+            </a:r>
+          </a:p>
+          <a:p>
+            <a:pPr marL="698494" lvl="1" indent="-457200">
+              <a:buFont typeface="+mj-lt"/>
+              <a:buAutoNum type="arabicPeriod"/>
+            </a:pPr>
+            <a:r>
+              <a:rPr lang="en-US" dirty="0"/>
+              <a:t>Based on the hypothetical outcomes of the value conflict resolution method, suggest designs for mitigating the risk (reduce probability and/or impact of risk)</a:t>
+            </a:r>
+          </a:p>
+        </p:txBody>
+      </p:sp>
+    </p:spTree>
+    <p:extLst>
+      <p:ext uri="{BB962C8B-B14F-4D97-AF65-F5344CB8AC3E}">
+        <p14:creationId xmlns:p14="http://schemas.microsoft.com/office/powerpoint/2010/main" val="2011860822"/>
+      </p:ext>
+    </p:extLst>
+  </p:cSld>
+  <p:clrMapOvr>
+    <a:masterClrMapping/>
+  </p:clrMapOvr>
+</p:sld>
+</file>
+
+<file path=ppt/slides/slide32.xml><?xml version="1.0" encoding="utf-8"?>
 <p:sld xmlns:a="http://schemas.openxmlformats.org/drawingml/2006/main" xmlns:r="http://schemas.openxmlformats.org/officeDocument/2006/relationships" xmlns:p="http://schemas.openxmlformats.org/presentationml/2006/main">
   <p:cSld>
     <p:spTree>

--- a/6. Normative Argumentation.pptx
+++ b/6. Normative Argumentation.pptx
@@ -228,7 +228,7 @@
           <a:p>
             <a:fld id="{C20D082D-BBCD-481C-A7DE-212F37A75249}" type="datetimeFigureOut">
               <a:rPr lang="en-US" smtClean="0"/>
-              <a:t>5/17/2023</a:t>
+              <a:t>5/25/2023</a:t>
             </a:fld>
             <a:endParaRPr lang="en-US"/>
           </a:p>
@@ -4399,6 +4399,24 @@
         <p:txBody>
           <a:bodyPr/>
           <a:lstStyle/>
+          <a:p>
+            <a:r>
+              <a:rPr lang="en-US" b="1" dirty="0"/>
+              <a:t>Argument Forms - </a:t>
+            </a:r>
+            <a:r>
+              <a:rPr lang="en-GB" sz="1200" kern="1200" dirty="0">
+                <a:solidFill>
+                  <a:schemeClr val="tx1"/>
+                </a:solidFill>
+                <a:effectLst/>
+                <a:latin typeface="Arial" pitchFamily="-112" charset="0"/>
+                <a:ea typeface="ＭＳ Ｐゴシック" pitchFamily="-112" charset="-128"/>
+                <a:cs typeface="ＭＳ Ｐゴシック" pitchFamily="-112" charset="-128"/>
+              </a:rPr>
+              <a:t>https://www.csm.ornl.gov/~sheldon/ds/sec1.3.html</a:t>
+            </a:r>
+          </a:p>
           <a:p>
             <a:r>
               <a:rPr lang="en-GB" sz="1200" kern="1200" dirty="0">
@@ -7467,7 +7485,7 @@
           <a:p>
             <a:fld id="{3E31344D-F2C8-4FF6-8877-1B13E96E243A}" type="datetimeFigureOut">
               <a:rPr lang="en-US" smtClean="0"/>
-              <a:t>5/17/2023</a:t>
+              <a:t>5/25/2023</a:t>
             </a:fld>
             <a:endParaRPr lang="en-US"/>
           </a:p>
@@ -7756,7 +7774,7 @@
           <a:p>
             <a:fld id="{3E31344D-F2C8-4FF6-8877-1B13E96E243A}" type="datetimeFigureOut">
               <a:rPr lang="en-US" smtClean="0"/>
-              <a:t>5/17/2023</a:t>
+              <a:t>5/25/2023</a:t>
             </a:fld>
             <a:endParaRPr lang="en-US"/>
           </a:p>
@@ -8045,7 +8063,7 @@
           <a:p>
             <a:fld id="{3E31344D-F2C8-4FF6-8877-1B13E96E243A}" type="datetimeFigureOut">
               <a:rPr lang="en-US" smtClean="0"/>
-              <a:t>5/17/2023</a:t>
+              <a:t>5/25/2023</a:t>
             </a:fld>
             <a:endParaRPr lang="en-US"/>
           </a:p>
@@ -8334,7 +8352,7 @@
           <a:p>
             <a:fld id="{3E31344D-F2C8-4FF6-8877-1B13E96E243A}" type="datetimeFigureOut">
               <a:rPr lang="en-US" smtClean="0"/>
-              <a:t>5/17/2023</a:t>
+              <a:t>5/25/2023</a:t>
             </a:fld>
             <a:endParaRPr lang="en-US"/>
           </a:p>
@@ -8571,7 +8589,7 @@
           <a:p>
             <a:fld id="{3E31344D-F2C8-4FF6-8877-1B13E96E243A}" type="datetimeFigureOut">
               <a:rPr lang="en-US" smtClean="0"/>
-              <a:t>5/17/2023</a:t>
+              <a:t>5/25/2023</a:t>
             </a:fld>
             <a:endParaRPr lang="en-US"/>
           </a:p>
@@ -9028,7 +9046,7 @@
           <a:p>
             <a:fld id="{3E31344D-F2C8-4FF6-8877-1B13E96E243A}" type="datetimeFigureOut">
               <a:rPr lang="en-US" smtClean="0"/>
-              <a:t>5/17/2023</a:t>
+              <a:t>5/25/2023</a:t>
             </a:fld>
             <a:endParaRPr lang="en-US"/>
           </a:p>
@@ -9219,7 +9237,7 @@
           <a:p>
             <a:fld id="{3E31344D-F2C8-4FF6-8877-1B13E96E243A}" type="datetimeFigureOut">
               <a:rPr lang="en-US" smtClean="0"/>
-              <a:t>5/17/2023</a:t>
+              <a:t>5/25/2023</a:t>
             </a:fld>
             <a:endParaRPr lang="en-US"/>
           </a:p>
@@ -9484,7 +9502,7 @@
           <a:p>
             <a:fld id="{3E31344D-F2C8-4FF6-8877-1B13E96E243A}" type="datetimeFigureOut">
               <a:rPr lang="en-US" smtClean="0"/>
-              <a:t>5/17/2023</a:t>
+              <a:t>5/25/2023</a:t>
             </a:fld>
             <a:endParaRPr lang="en-US"/>
           </a:p>
@@ -11857,7 +11875,7 @@
           <a:p>
             <a:fld id="{3E31344D-F2C8-4FF6-8877-1B13E96E243A}" type="datetimeFigureOut">
               <a:rPr lang="en-US" smtClean="0"/>
-              <a:t>5/17/2023</a:t>
+              <a:t>5/25/2023</a:t>
             </a:fld>
             <a:endParaRPr lang="en-US"/>
           </a:p>
@@ -12107,7 +12125,7 @@
           <a:p>
             <a:fld id="{3E31344D-F2C8-4FF6-8877-1B13E96E243A}" type="datetimeFigureOut">
               <a:rPr lang="en-US" smtClean="0"/>
-              <a:t>5/17/2023</a:t>
+              <a:t>5/25/2023</a:t>
             </a:fld>
             <a:endParaRPr lang="en-US"/>
           </a:p>
@@ -12493,7 +12511,7 @@
           <a:p>
             <a:fld id="{3E31344D-F2C8-4FF6-8877-1B13E96E243A}" type="datetimeFigureOut">
               <a:rPr lang="en-US" smtClean="0"/>
-              <a:t>5/17/2023</a:t>
+              <a:t>5/25/2023</a:t>
             </a:fld>
             <a:endParaRPr lang="en-US"/>
           </a:p>
@@ -12753,7 +12771,7 @@
           <a:p>
             <a:fld id="{3E31344D-F2C8-4FF6-8877-1B13E96E243A}" type="datetimeFigureOut">
               <a:rPr lang="en-US" smtClean="0"/>
-              <a:t>5/17/2023</a:t>
+              <a:t>5/25/2023</a:t>
             </a:fld>
             <a:endParaRPr lang="en-US"/>
           </a:p>
@@ -22086,36 +22104,6 @@
       </p:sp>
       <p:sp>
         <p:nvSpPr>
-          <p:cNvPr id="32773" name="Rectangle 3"/>
-          <p:cNvSpPr>
-            <a:spLocks noGrp="1" noChangeArrowheads="1"/>
-          </p:cNvSpPr>
-          <p:nvPr>
-            <p:ph sz="half" idx="1"/>
-          </p:nvPr>
-        </p:nvSpPr>
-        <p:spPr/>
-        <p:txBody>
-          <a:bodyPr/>
-          <a:lstStyle/>
-          <a:p>
-            <a:pPr marL="0" indent="0"/>
-            <a:endParaRPr lang="en-US" sz="2400" dirty="0">
-              <a:ea typeface="ＭＳ Ｐゴシック" pitchFamily="-106" charset="-128"/>
-              <a:cs typeface="ＭＳ Ｐゴシック" pitchFamily="-106" charset="-128"/>
-            </a:endParaRPr>
-          </a:p>
-          <a:p>
-            <a:pPr marL="0" indent="0"/>
-            <a:endParaRPr lang="de-DE" dirty="0">
-              <a:ea typeface="ＭＳ Ｐゴシック" pitchFamily="-106" charset="-128"/>
-              <a:cs typeface="ＭＳ Ｐゴシック" pitchFamily="-106" charset="-128"/>
-            </a:endParaRPr>
-          </a:p>
-        </p:txBody>
-      </p:sp>
-      <p:sp>
-        <p:nvSpPr>
           <p:cNvPr id="4" name="Content Placeholder 3"/>
           <p:cNvSpPr>
             <a:spLocks noGrp="1"/>
@@ -22354,7 +22342,7 @@
           <p:nvPr>
             <p:extLst>
               <p:ext uri="{D42A27DB-BD31-4B8C-83A1-F6EECF244321}">
-                <p14:modId xmlns:p14="http://schemas.microsoft.com/office/powerpoint/2010/main" val="1933940120"/>
+                <p14:modId xmlns:p14="http://schemas.microsoft.com/office/powerpoint/2010/main" val="1843422292"/>
               </p:ext>
             </p:extLst>
           </p:nvPr>
@@ -22367,7 +22355,7 @@
           <a:graphicData uri="http://schemas.openxmlformats.org/drawingml/2006/table">
             <a:tbl>
               <a:tblPr firstRow="1" bandRow="1">
-                <a:tableStyleId>{5C22544A-7EE6-4342-B048-85BDC9FD1C3A}</a:tableStyleId>
+                <a:tableStyleId>{00A15C55-8517-42AA-B614-E9B94910E393}</a:tableStyleId>
               </a:tblPr>
               <a:tblGrid>
                 <a:gridCol w="6489936">
@@ -22410,7 +22398,7 @@
                       </a:r>
                       <a:r>
                         <a:rPr lang="en-US" sz="2000" dirty="0"/>
-                        <a:t>It is raining today and windy today</a:t>
+                        <a:t>It is not raining today</a:t>
                       </a:r>
                     </a:p>
                   </a:txBody>
@@ -22429,8 +22417,12 @@
                     <a:lstStyle/>
                     <a:p>
                       <a:r>
+                        <a:rPr lang="en-US" sz="2000" b="1" dirty="0"/>
+                        <a:t>q:</a:t>
+                      </a:r>
+                      <a:r>
                         <a:rPr lang="en-US" sz="2000" dirty="0"/>
-                        <a:t>q: Then I will wear my raincoat</a:t>
+                        <a:t> Therefore, I will did not wear my raincoat</a:t>
                       </a:r>
                     </a:p>
                   </a:txBody>
@@ -22867,36 +22859,6 @@
       </p:sp>
       <p:sp>
         <p:nvSpPr>
-          <p:cNvPr id="32773" name="Rectangle 3"/>
-          <p:cNvSpPr>
-            <a:spLocks noGrp="1" noChangeArrowheads="1"/>
-          </p:cNvSpPr>
-          <p:nvPr>
-            <p:ph sz="half" idx="1"/>
-          </p:nvPr>
-        </p:nvSpPr>
-        <p:spPr/>
-        <p:txBody>
-          <a:bodyPr/>
-          <a:lstStyle/>
-          <a:p>
-            <a:pPr marL="0" indent="0"/>
-            <a:endParaRPr lang="en-US" sz="2400" dirty="0">
-              <a:ea typeface="ＭＳ Ｐゴシック" pitchFamily="-106" charset="-128"/>
-              <a:cs typeface="ＭＳ Ｐゴシック" pitchFamily="-106" charset="-128"/>
-            </a:endParaRPr>
-          </a:p>
-          <a:p>
-            <a:pPr marL="0" indent="0"/>
-            <a:endParaRPr lang="de-DE" dirty="0">
-              <a:ea typeface="ＭＳ Ｐゴシック" pitchFamily="-106" charset="-128"/>
-              <a:cs typeface="ＭＳ Ｐゴシック" pitchFamily="-106" charset="-128"/>
-            </a:endParaRPr>
-          </a:p>
-        </p:txBody>
-      </p:sp>
-      <p:sp>
-        <p:nvSpPr>
           <p:cNvPr id="4" name="Content Placeholder 3"/>
           <p:cNvSpPr>
             <a:spLocks noGrp="1"/>
@@ -22908,7 +22870,7 @@
         <p:spPr>
           <a:xfrm>
             <a:off x="485296" y="1531624"/>
-            <a:ext cx="11112864" cy="4585486"/>
+            <a:ext cx="11112864" cy="3466327"/>
           </a:xfrm>
         </p:spPr>
         <p:txBody>
@@ -23001,7 +22963,23 @@
             </a:pPr>
             <a:r>
               <a:rPr lang="en-US" sz="2000" dirty="0"/>
-              <a:t>A rule of inference drawn from the combination of modus ponens and the contrapositive.</a:t>
+              <a:t> It is a rule of inference drawn from the combination of </a:t>
+            </a:r>
+            <a:r>
+              <a:rPr lang="en-US" sz="2000" b="1" dirty="0"/>
+              <a:t>modus ponens </a:t>
+            </a:r>
+            <a:r>
+              <a:rPr lang="en-US" sz="2000" dirty="0"/>
+              <a:t>and the </a:t>
+            </a:r>
+            <a:r>
+              <a:rPr lang="en-US" sz="2000" b="1" dirty="0"/>
+              <a:t>contrapositive</a:t>
+            </a:r>
+            <a:r>
+              <a:rPr lang="en-US" sz="2000" dirty="0"/>
+              <a:t>.</a:t>
             </a:r>
           </a:p>
           <a:p>
@@ -23015,7 +22993,49 @@
                 <a:ea typeface="ＭＳ Ｐゴシック" pitchFamily="-106" charset="-128"/>
                 <a:cs typeface="ＭＳ Ｐゴシック" pitchFamily="-106" charset="-128"/>
               </a:rPr>
-              <a:t>If q is false, and if p implies q (</a:t>
+              <a:t>If </a:t>
+            </a:r>
+            <a:r>
+              <a:rPr lang="en-US" sz="1800" b="1" dirty="0">
+                <a:ea typeface="ＭＳ Ｐゴシック" pitchFamily="-106" charset="-128"/>
+                <a:cs typeface="ＭＳ Ｐゴシック" pitchFamily="-106" charset="-128"/>
+              </a:rPr>
+              <a:t>q</a:t>
+            </a:r>
+            <a:r>
+              <a:rPr lang="en-US" sz="1800" dirty="0">
+                <a:ea typeface="ＭＳ Ｐゴシック" pitchFamily="-106" charset="-128"/>
+                <a:cs typeface="ＭＳ Ｐゴシック" pitchFamily="-106" charset="-128"/>
+              </a:rPr>
+              <a:t> is false, and if </a:t>
+            </a:r>
+            <a:r>
+              <a:rPr lang="en-US" sz="1800" b="1" dirty="0">
+                <a:ea typeface="ＭＳ Ｐゴシック" pitchFamily="-106" charset="-128"/>
+                <a:cs typeface="ＭＳ Ｐゴシック" pitchFamily="-106" charset="-128"/>
+              </a:rPr>
+              <a:t>p</a:t>
+            </a:r>
+            <a:r>
+              <a:rPr lang="en-US" sz="1800" dirty="0">
+                <a:ea typeface="ＭＳ Ｐゴシック" pitchFamily="-106" charset="-128"/>
+                <a:cs typeface="ＭＳ Ｐゴシック" pitchFamily="-106" charset="-128"/>
+              </a:rPr>
+              <a:t> implies </a:t>
+            </a:r>
+            <a:r>
+              <a:rPr lang="en-US" sz="1800" b="1" dirty="0">
+                <a:ea typeface="ＭＳ Ｐゴシック" pitchFamily="-106" charset="-128"/>
+                <a:cs typeface="ＭＳ Ｐゴシック" pitchFamily="-106" charset="-128"/>
+              </a:rPr>
+              <a:t>q</a:t>
+            </a:r>
+            <a:r>
+              <a:rPr lang="en-US" sz="1800" dirty="0">
+                <a:ea typeface="ＭＳ Ｐゴシック" pitchFamily="-106" charset="-128"/>
+                <a:cs typeface="ＭＳ Ｐゴシック" pitchFamily="-106" charset="-128"/>
+              </a:rPr>
+              <a:t> (</a:t>
             </a:r>
             <a:r>
               <a:rPr lang="en-US" sz="1800" dirty="0" err="1">
@@ -23029,7 +23049,21 @@
                 <a:ea typeface="ＭＳ Ｐゴシック" pitchFamily="-106" charset="-128"/>
                 <a:cs typeface="ＭＳ Ｐゴシック" pitchFamily="-106" charset="-128"/>
               </a:rPr>
-              <a:t>), then p is also false.</a:t>
+              <a:t>), then </a:t>
+            </a:r>
+            <a:r>
+              <a:rPr lang="en-US" sz="1800" b="1" dirty="0">
+                <a:ea typeface="ＭＳ Ｐゴシック" pitchFamily="-106" charset="-128"/>
+                <a:cs typeface="ＭＳ Ｐゴシック" pitchFamily="-106" charset="-128"/>
+              </a:rPr>
+              <a:t>p</a:t>
+            </a:r>
+            <a:r>
+              <a:rPr lang="en-US" sz="1800" dirty="0">
+                <a:ea typeface="ＭＳ Ｐゴシック" pitchFamily="-106" charset="-128"/>
+                <a:cs typeface="ＭＳ Ｐゴシック" pitchFamily="-106" charset="-128"/>
+              </a:rPr>
+              <a:t> is also false.</a:t>
             </a:r>
           </a:p>
           <a:p>
@@ -23162,14 +23196,14 @@
           <p:nvPr>
             <p:extLst>
               <p:ext uri="{D42A27DB-BD31-4B8C-83A1-F6EECF244321}">
-                <p14:modId xmlns:p14="http://schemas.microsoft.com/office/powerpoint/2010/main" val="482634042"/>
+                <p14:modId xmlns:p14="http://schemas.microsoft.com/office/powerpoint/2010/main" val="1015194408"/>
               </p:ext>
             </p:extLst>
           </p:nvPr>
         </p:nvGraphicFramePr>
         <p:xfrm>
-          <a:off x="2453343" y="5222391"/>
-          <a:ext cx="6913682" cy="1188720"/>
+          <a:off x="240244" y="5258743"/>
+          <a:ext cx="4961480" cy="1455256"/>
         </p:xfrm>
         <a:graphic>
           <a:graphicData uri="http://schemas.openxmlformats.org/drawingml/2006/table">
@@ -23178,7 +23212,7 @@
                 <a:tableStyleId>{5C22544A-7EE6-4342-B048-85BDC9FD1C3A}</a:tableStyleId>
               </a:tblPr>
               <a:tblGrid>
-                <a:gridCol w="6913682">
+                <a:gridCol w="4961480">
                   <a:extLst>
                     <a:ext uri="{9D8B030D-6E8A-4147-A177-3AD203B41FA5}">
                       <a16:colId xmlns:a16="http://schemas.microsoft.com/office/drawing/2014/main" val="2198883209"/>
@@ -23186,7 +23220,7 @@
                   </a:extLst>
                 </a:gridCol>
               </a:tblGrid>
-              <a:tr h="370840">
+              <a:tr h="529508">
                 <a:tc>
                   <a:txBody>
                     <a:bodyPr/>
@@ -23206,7 +23240,7 @@
                   </a:ext>
                 </a:extLst>
               </a:tr>
-              <a:tr h="370840">
+              <a:tr h="369740">
                 <a:tc>
                   <a:txBody>
                     <a:bodyPr/>
@@ -23218,7 +23252,7 @@
                       </a:r>
                       <a:r>
                         <a:rPr lang="en-US" sz="2000" dirty="0"/>
-                        <a:t> I will not wear my raincoat</a:t>
+                        <a:t> I did not wear my raincoat</a:t>
                       </a:r>
                     </a:p>
                   </a:txBody>
@@ -23230,7 +23264,7 @@
                   </a:ext>
                 </a:extLst>
               </a:tr>
-              <a:tr h="370840">
+              <a:tr h="529508">
                 <a:tc>
                   <a:txBody>
                     <a:bodyPr/>
@@ -23238,19 +23272,11 @@
                     <a:p>
                       <a:r>
                         <a:rPr lang="en-US" sz="2000" b="1" dirty="0"/>
-                        <a:t>not q:</a:t>
+                        <a:t>q:</a:t>
                       </a:r>
                       <a:r>
                         <a:rPr lang="en-US" sz="2000" dirty="0"/>
-                        <a:t> Therefore, it is </a:t>
-                      </a:r>
-                      <a:r>
-                        <a:rPr lang="en-US" sz="2000" b="1" dirty="0"/>
-                        <a:t>not</a:t>
-                      </a:r>
-                      <a:r>
-                        <a:rPr lang="en-US" sz="2000" dirty="0"/>
-                        <a:t> raining today</a:t>
+                        <a:t> Therefore, it is not raining today</a:t>
                       </a:r>
                     </a:p>
                   </a:txBody>
@@ -23266,6 +23292,166 @@
           </a:graphicData>
         </a:graphic>
       </p:graphicFrame>
+      <p:sp>
+        <p:nvSpPr>
+          <p:cNvPr id="10" name="TextBox 9">
+            <a:extLst>
+              <a:ext uri="{FF2B5EF4-FFF2-40B4-BE49-F238E27FC236}">
+                <a16:creationId xmlns:a16="http://schemas.microsoft.com/office/drawing/2014/main" id="{23E4CD98-A179-5292-F57C-18EF64502B71}"/>
+              </a:ext>
+            </a:extLst>
+          </p:cNvPr>
+          <p:cNvSpPr txBox="1"/>
+          <p:nvPr/>
+        </p:nvSpPr>
+        <p:spPr bwMode="gray">
+          <a:xfrm>
+            <a:off x="5584397" y="5258743"/>
+            <a:ext cx="6445233" cy="1228062"/>
+          </a:xfrm>
+          <a:prstGeom prst="rect">
+            <a:avLst/>
+          </a:prstGeom>
+          <a:noFill/>
+          <a:ln>
+            <a:solidFill>
+              <a:schemeClr val="accent5"/>
+            </a:solidFill>
+          </a:ln>
+        </p:spPr>
+        <p:txBody>
+          <a:bodyPr wrap="square" lIns="91440" tIns="91440" rIns="91440" bIns="91440" rtlCol="0">
+            <a:noAutofit/>
+          </a:bodyPr>
+          <a:lstStyle/>
+          <a:p>
+            <a:pPr>
+              <a:spcBef>
+                <a:spcPts val="300"/>
+              </a:spcBef>
+              <a:spcAft>
+                <a:spcPts val="300"/>
+              </a:spcAft>
+              <a:buClr>
+                <a:schemeClr val="accent1"/>
+              </a:buClr>
+              <a:buSzPct val="90000"/>
+            </a:pPr>
+            <a:r>
+              <a:rPr lang="en-US" dirty="0"/>
+              <a:t>From </a:t>
+            </a:r>
+            <a:r>
+              <a:rPr lang="en-US" b="1" dirty="0">
+                <a:solidFill>
+                  <a:srgbClr val="C00000"/>
+                </a:solidFill>
+              </a:rPr>
+              <a:t>modus tollens</a:t>
+            </a:r>
+            <a:r>
+              <a:rPr lang="en-US" dirty="0"/>
+              <a:t>, </a:t>
+            </a:r>
+          </a:p>
+          <a:p>
+            <a:pPr>
+              <a:spcBef>
+                <a:spcPts val="300"/>
+              </a:spcBef>
+              <a:spcAft>
+                <a:spcPts val="300"/>
+              </a:spcAft>
+              <a:buClr>
+                <a:schemeClr val="accent1"/>
+              </a:buClr>
+              <a:buSzPct val="90000"/>
+            </a:pPr>
+            <a:r>
+              <a:rPr lang="en-US" dirty="0"/>
+              <a:t>if </a:t>
+            </a:r>
+            <a:r>
+              <a:rPr lang="en-US" b="1" dirty="0"/>
+              <a:t>q is false</a:t>
+            </a:r>
+            <a:r>
+              <a:rPr lang="en-US" dirty="0"/>
+              <a:t> (i.e., it is raining today), </a:t>
+            </a:r>
+          </a:p>
+          <a:p>
+            <a:pPr>
+              <a:spcBef>
+                <a:spcPts val="300"/>
+              </a:spcBef>
+              <a:spcAft>
+                <a:spcPts val="300"/>
+              </a:spcAft>
+              <a:buClr>
+                <a:schemeClr val="accent1"/>
+              </a:buClr>
+              <a:buSzPct val="90000"/>
+            </a:pPr>
+            <a:r>
+              <a:rPr lang="en-US" dirty="0"/>
+              <a:t>then </a:t>
+            </a:r>
+            <a:r>
+              <a:rPr lang="en-US" b="1" dirty="0"/>
+              <a:t>p is also false</a:t>
+            </a:r>
+            <a:r>
+              <a:rPr lang="en-US" dirty="0"/>
+              <a:t> (i.e., I am wearing my raincoat)</a:t>
+            </a:r>
+          </a:p>
+        </p:txBody>
+      </p:sp>
+      <p:cxnSp>
+        <p:nvCxnSpPr>
+          <p:cNvPr id="12" name="Connector: Elbow 11">
+            <a:extLst>
+              <a:ext uri="{FF2B5EF4-FFF2-40B4-BE49-F238E27FC236}">
+                <a16:creationId xmlns:a16="http://schemas.microsoft.com/office/drawing/2014/main" id="{0F730CD3-2ED6-2F7C-0091-A25D91254321}"/>
+              </a:ext>
+            </a:extLst>
+          </p:cNvPr>
+          <p:cNvCxnSpPr>
+            <a:endCxn id="10" idx="0"/>
+          </p:cNvCxnSpPr>
+          <p:nvPr/>
+        </p:nvCxnSpPr>
+        <p:spPr bwMode="gray">
+          <a:xfrm>
+            <a:off x="7550590" y="4227968"/>
+            <a:ext cx="1256424" cy="1030775"/>
+          </a:xfrm>
+          <a:prstGeom prst="bentConnector2">
+            <a:avLst/>
+          </a:prstGeom>
+          <a:ln>
+            <a:solidFill>
+              <a:schemeClr val="accent5"/>
+            </a:solidFill>
+            <a:tailEnd type="triangle"/>
+          </a:ln>
+        </p:spPr>
+        <p:style>
+          <a:lnRef idx="1">
+            <a:schemeClr val="accent1"/>
+          </a:lnRef>
+          <a:fillRef idx="0">
+            <a:schemeClr val="accent1"/>
+          </a:fillRef>
+          <a:effectRef idx="0">
+            <a:schemeClr val="accent1"/>
+          </a:effectRef>
+          <a:fontRef idx="minor">
+            <a:schemeClr val="tx1"/>
+          </a:fontRef>
+        </p:style>
+      </p:cxnSp>
     </p:spTree>
     <p:extLst>
       <p:ext uri="{BB962C8B-B14F-4D97-AF65-F5344CB8AC3E}">
